--- a/Test/Presentations/template_result_streams.pptx
+++ b/Test/Presentations/template_result_streams.pptx
@@ -8,11 +8,11 @@
     <p:notesMasterId r:id="rId5"/>
   </p:notesMasterIdLst>
   <p:sldIdLst>
-    <p:sldId id="259" r:id="Re53811a921004ceb"/>
-    <p:sldId id="260" r:id="R3bc1a0b48ea143be"/>
-    <p:sldId id="261" r:id="R10f6ade0e5474bf7"/>
-    <p:sldId id="262" r:id="Rcd04be83a6b146a0"/>
-    <p:sldId id="263" r:id="R9b343d8084db49f2"/>
+    <p:sldId id="259" r:id="R904045a65bdd4b7e"/>
+    <p:sldId id="260" r:id="R97c45719fd5545bc"/>
+    <p:sldId id="261" r:id="R694e97fb9e604431"/>
+    <p:sldId id="262" r:id="R97626b0d32ab4f87"/>
+    <p:sldId id="263" r:id="R82265f053e4c4756"/>
   </p:sldIdLst>
   <p:sldSz cx="12192000" cy="6858000"/>
   <p:notesSz cx="6858000" cy="9144000"/>
@@ -3744,7 +3744,7 @@
                   </a:schemeClr>
                 </a:solidFill>
               </a:rPr>
-              <a:t>Date: 06.03.2024 14:24</a:t>
+              <a:t>Date: 20.09.2024</a:t>
             </a:r>
             <a:endParaRPr lang="ru-RU" dirty="0">
               <a:solidFill>
@@ -3824,7 +3824,7 @@
                   </a:schemeClr>
                 </a:solidFill>
               </a:rPr>
-              <a:t>06 March 2024</a:t>
+              <a:t>20 September 2024</a:t>
             </a:r>
             <a:endParaRPr lang="ru-RU" sz="2000" dirty="0"/>
           </a:p>
@@ -4105,7 +4105,7 @@
                     <a:p>
                       <a:r>
                         <a:rPr lang="en-US" dirty="0"/>
-                        <a:t>1992-07-02</a:t>
+                        <a:t>1986-10-29</a:t>
                       </a:r>
                       <a:endParaRPr lang="ru-RU" dirty="0"/>
                     </a:p>
@@ -4154,7 +4154,7 @@
                     <a:p>
                       <a:r>
                         <a:rPr lang="en-US" dirty="0"/>
-                        <a:t>1984-11-02</a:t>
+                        <a:t>1988-01-28</a:t>
                       </a:r>
                       <a:endParaRPr lang="ru-RU" dirty="0"/>
                     </a:p>
@@ -4203,7 +4203,7 @@
                     <a:p>
                       <a:r>
                         <a:rPr lang="en-US" dirty="0"/>
-                        <a:t>1991-05-24</a:t>
+                        <a:t>1993-07-25</a:t>
                       </a:r>
                       <a:endParaRPr lang="ru-RU" dirty="0"/>
                     </a:p>
@@ -4252,7 +4252,7 @@
                     <a:p>
                       <a:r>
                         <a:rPr lang="en-US" dirty="0"/>
-                        <a:t>1998-07-29</a:t>
+                        <a:t>1985-07-08</a:t>
                       </a:r>
                       <a:endParaRPr lang="ru-RU" dirty="0"/>
                     </a:p>
@@ -4301,7 +4301,7 @@
                     <a:p>
                       <a:r>
                         <a:rPr lang="en-US" dirty="0"/>
-                        <a:t>1994-08-10</a:t>
+                        <a:t>1995-11-29</a:t>
                       </a:r>
                       <a:endParaRPr lang="ru-RU" dirty="0"/>
                     </a:p>
@@ -4350,203 +4350,7 @@
                     <a:p>
                       <a:r>
                         <a:rPr lang="en-US" dirty="0"/>
-                        <a:t>1996-02-28</a:t>
-                      </a:r>
-                      <a:endParaRPr lang="ru-RU" dirty="0"/>
-                    </a:p>
-                  </a:txBody>
-                  <a:tcPr/>
-                </a:tc>
-                <a:extLst>
-                  <a:ext uri="{0D108BD9-81ED-4DB2-BD59-A6C34878D82A}">
-                    <a16:rowId xmlns:a16="http://schemas.microsoft.com/office/drawing/2014/main" val="109181570"/>
-                  </a:ext>
-                </a:extLst>
-              </a:tr>
-              <a:tr h="370840">
-                <a:tc>
-                  <a:txBody>
-                    <a:bodyPr/>
-                    <a:lstStyle/>
-                    <a:p>
-                      <a:r>
-                        <a:rPr lang="en-US"/>
-                        <a:t>Employee #7</a:t>
-                      </a:r>
-                      <a:endParaRPr lang="ru-RU" dirty="0"/>
-                    </a:p>
-                  </a:txBody>
-                  <a:tcPr/>
-                </a:tc>
-                <a:tc>
-                  <a:txBody>
-                    <a:bodyPr/>
-                    <a:lstStyle/>
-                    <a:p>
-                      <a:r>
-                        <a:rPr lang="en-US" dirty="0"/>
-                        <a:t>emp7@company1.test</a:t>
-                      </a:r>
-                      <a:endParaRPr lang="ru-RU" dirty="0"/>
-                    </a:p>
-                  </a:txBody>
-                  <a:tcPr/>
-                </a:tc>
-                <a:tc>
-                  <a:txBody>
-                    <a:bodyPr/>
-                    <a:lstStyle/>
-                    <a:p>
-                      <a:r>
-                        <a:rPr lang="en-US" dirty="0"/>
-                        <a:t>1989-08-18</a:t>
-                      </a:r>
-                      <a:endParaRPr lang="ru-RU" dirty="0"/>
-                    </a:p>
-                  </a:txBody>
-                  <a:tcPr/>
-                </a:tc>
-                <a:extLst>
-                  <a:ext uri="{0D108BD9-81ED-4DB2-BD59-A6C34878D82A}">
-                    <a16:rowId xmlns:a16="http://schemas.microsoft.com/office/drawing/2014/main" val="109181570"/>
-                  </a:ext>
-                </a:extLst>
-              </a:tr>
-              <a:tr h="370840">
-                <a:tc>
-                  <a:txBody>
-                    <a:bodyPr/>
-                    <a:lstStyle/>
-                    <a:p>
-                      <a:r>
-                        <a:rPr lang="en-US"/>
-                        <a:t>Employee #8</a:t>
-                      </a:r>
-                      <a:endParaRPr lang="ru-RU" dirty="0"/>
-                    </a:p>
-                  </a:txBody>
-                  <a:tcPr/>
-                </a:tc>
-                <a:tc>
-                  <a:txBody>
-                    <a:bodyPr/>
-                    <a:lstStyle/>
-                    <a:p>
-                      <a:r>
-                        <a:rPr lang="en-US" dirty="0"/>
-                        <a:t>emp8@company1.test</a:t>
-                      </a:r>
-                      <a:endParaRPr lang="ru-RU" dirty="0"/>
-                    </a:p>
-                  </a:txBody>
-                  <a:tcPr/>
-                </a:tc>
-                <a:tc>
-                  <a:txBody>
-                    <a:bodyPr/>
-                    <a:lstStyle/>
-                    <a:p>
-                      <a:r>
-                        <a:rPr lang="en-US" dirty="0"/>
-                        <a:t>1984-03-17</a:t>
-                      </a:r>
-                      <a:endParaRPr lang="ru-RU" dirty="0"/>
-                    </a:p>
-                  </a:txBody>
-                  <a:tcPr/>
-                </a:tc>
-                <a:extLst>
-                  <a:ext uri="{0D108BD9-81ED-4DB2-BD59-A6C34878D82A}">
-                    <a16:rowId xmlns:a16="http://schemas.microsoft.com/office/drawing/2014/main" val="109181570"/>
-                  </a:ext>
-                </a:extLst>
-              </a:tr>
-              <a:tr h="370840">
-                <a:tc>
-                  <a:txBody>
-                    <a:bodyPr/>
-                    <a:lstStyle/>
-                    <a:p>
-                      <a:r>
-                        <a:rPr lang="en-US"/>
-                        <a:t>Employee #9</a:t>
-                      </a:r>
-                      <a:endParaRPr lang="ru-RU" dirty="0"/>
-                    </a:p>
-                  </a:txBody>
-                  <a:tcPr/>
-                </a:tc>
-                <a:tc>
-                  <a:txBody>
-                    <a:bodyPr/>
-                    <a:lstStyle/>
-                    <a:p>
-                      <a:r>
-                        <a:rPr lang="en-US" dirty="0"/>
-                        <a:t>emp9@company1.test</a:t>
-                      </a:r>
-                      <a:endParaRPr lang="ru-RU" dirty="0"/>
-                    </a:p>
-                  </a:txBody>
-                  <a:tcPr/>
-                </a:tc>
-                <a:tc>
-                  <a:txBody>
-                    <a:bodyPr/>
-                    <a:lstStyle/>
-                    <a:p>
-                      <a:r>
-                        <a:rPr lang="en-US" dirty="0"/>
-                        <a:t>1999-06-08</a:t>
-                      </a:r>
-                      <a:endParaRPr lang="ru-RU" dirty="0"/>
-                    </a:p>
-                  </a:txBody>
-                  <a:tcPr/>
-                </a:tc>
-                <a:extLst>
-                  <a:ext uri="{0D108BD9-81ED-4DB2-BD59-A6C34878D82A}">
-                    <a16:rowId xmlns:a16="http://schemas.microsoft.com/office/drawing/2014/main" val="109181570"/>
-                  </a:ext>
-                </a:extLst>
-              </a:tr>
-              <a:tr h="370840">
-                <a:tc>
-                  <a:txBody>
-                    <a:bodyPr/>
-                    <a:lstStyle/>
-                    <a:p>
-                      <a:r>
-                        <a:rPr lang="en-US"/>
-                        <a:t>Employee #10</a:t>
-                      </a:r>
-                      <a:endParaRPr lang="ru-RU" dirty="0"/>
-                    </a:p>
-                  </a:txBody>
-                  <a:tcPr/>
-                </a:tc>
-                <a:tc>
-                  <a:txBody>
-                    <a:bodyPr/>
-                    <a:lstStyle/>
-                    <a:p>
-                      <a:r>
-                        <a:rPr lang="en-US" dirty="0"/>
-                        <a:t>emp10@company1.test</a:t>
-                      </a:r>
-                      <a:endParaRPr lang="ru-RU" dirty="0"/>
-                    </a:p>
-                  </a:txBody>
-                  <a:tcPr/>
-                </a:tc>
-                <a:tc>
-                  <a:txBody>
-                    <a:bodyPr/>
-                    <a:lstStyle/>
-                    <a:p>
-                      <a:r>
-                        <a:rPr lang="en-US" dirty="0"/>
-                        <a:t>1983-08-19</a:t>
+                        <a:t>1990-09-05</a:t>
                       </a:r>
                       <a:endParaRPr lang="ru-RU" dirty="0"/>
                     </a:p>
@@ -4780,7 +4584,7 @@
                     <a:p>
                       <a:r>
                         <a:rPr lang="en-US" dirty="0"/>
-                        <a:t>1993-01-14</a:t>
+                        <a:t>1982-05-30</a:t>
                       </a:r>
                       <a:endParaRPr lang="ru-RU" dirty="0"/>
                     </a:p>
@@ -4829,7 +4633,7 @@
                     <a:p>
                       <a:r>
                         <a:rPr lang="en-US" dirty="0"/>
-                        <a:t>1981-08-29</a:t>
+                        <a:t>1983-09-28</a:t>
                       </a:r>
                       <a:endParaRPr lang="ru-RU" dirty="0"/>
                     </a:p>
@@ -4878,7 +4682,7 @@
                     <a:p>
                       <a:r>
                         <a:rPr lang="en-US" dirty="0"/>
-                        <a:t>1985-09-26</a:t>
+                        <a:t>1989-06-03</a:t>
                       </a:r>
                       <a:endParaRPr lang="ru-RU" dirty="0"/>
                     </a:p>
@@ -4927,7 +4731,7 @@
                     <a:p>
                       <a:r>
                         <a:rPr lang="en-US" dirty="0"/>
-                        <a:t>1997-04-27</a:t>
+                        <a:t>1992-06-16</a:t>
                       </a:r>
                       <a:endParaRPr lang="ru-RU" dirty="0"/>
                     </a:p>
@@ -4976,7 +4780,7 @@
                     <a:p>
                       <a:r>
                         <a:rPr lang="en-US" dirty="0"/>
-                        <a:t>1981-10-02</a:t>
+                        <a:t>1999-03-02</a:t>
                       </a:r>
                       <a:endParaRPr lang="ru-RU" dirty="0"/>
                     </a:p>
@@ -5025,203 +4829,7 @@
                     <a:p>
                       <a:r>
                         <a:rPr lang="en-US" dirty="0"/>
-                        <a:t>1993-04-04</a:t>
-                      </a:r>
-                      <a:endParaRPr lang="ru-RU" dirty="0"/>
-                    </a:p>
-                  </a:txBody>
-                  <a:tcPr/>
-                </a:tc>
-                <a:extLst>
-                  <a:ext uri="{0D108BD9-81ED-4DB2-BD59-A6C34878D82A}">
-                    <a16:rowId xmlns:a16="http://schemas.microsoft.com/office/drawing/2014/main" val="109181570"/>
-                  </a:ext>
-                </a:extLst>
-              </a:tr>
-              <a:tr h="370840">
-                <a:tc>
-                  <a:txBody>
-                    <a:bodyPr/>
-                    <a:lstStyle/>
-                    <a:p>
-                      <a:r>
-                        <a:rPr lang="en-US"/>
-                        <a:t>Employee #7</a:t>
-                      </a:r>
-                      <a:endParaRPr lang="ru-RU" dirty="0"/>
-                    </a:p>
-                  </a:txBody>
-                  <a:tcPr/>
-                </a:tc>
-                <a:tc>
-                  <a:txBody>
-                    <a:bodyPr/>
-                    <a:lstStyle/>
-                    <a:p>
-                      <a:r>
-                        <a:rPr lang="en-US" dirty="0"/>
-                        <a:t>emp7@company2.test</a:t>
-                      </a:r>
-                      <a:endParaRPr lang="ru-RU" dirty="0"/>
-                    </a:p>
-                  </a:txBody>
-                  <a:tcPr/>
-                </a:tc>
-                <a:tc>
-                  <a:txBody>
-                    <a:bodyPr/>
-                    <a:lstStyle/>
-                    <a:p>
-                      <a:r>
-                        <a:rPr lang="en-US" dirty="0"/>
-                        <a:t>1994-07-20</a:t>
-                      </a:r>
-                      <a:endParaRPr lang="ru-RU" dirty="0"/>
-                    </a:p>
-                  </a:txBody>
-                  <a:tcPr/>
-                </a:tc>
-                <a:extLst>
-                  <a:ext uri="{0D108BD9-81ED-4DB2-BD59-A6C34878D82A}">
-                    <a16:rowId xmlns:a16="http://schemas.microsoft.com/office/drawing/2014/main" val="109181570"/>
-                  </a:ext>
-                </a:extLst>
-              </a:tr>
-              <a:tr h="370840">
-                <a:tc>
-                  <a:txBody>
-                    <a:bodyPr/>
-                    <a:lstStyle/>
-                    <a:p>
-                      <a:r>
-                        <a:rPr lang="en-US"/>
-                        <a:t>Employee #8</a:t>
-                      </a:r>
-                      <a:endParaRPr lang="ru-RU" dirty="0"/>
-                    </a:p>
-                  </a:txBody>
-                  <a:tcPr/>
-                </a:tc>
-                <a:tc>
-                  <a:txBody>
-                    <a:bodyPr/>
-                    <a:lstStyle/>
-                    <a:p>
-                      <a:r>
-                        <a:rPr lang="en-US" dirty="0"/>
-                        <a:t>emp8@company2.test</a:t>
-                      </a:r>
-                      <a:endParaRPr lang="ru-RU" dirty="0"/>
-                    </a:p>
-                  </a:txBody>
-                  <a:tcPr/>
-                </a:tc>
-                <a:tc>
-                  <a:txBody>
-                    <a:bodyPr/>
-                    <a:lstStyle/>
-                    <a:p>
-                      <a:r>
-                        <a:rPr lang="en-US" dirty="0"/>
-                        <a:t>1996-06-16</a:t>
-                      </a:r>
-                      <a:endParaRPr lang="ru-RU" dirty="0"/>
-                    </a:p>
-                  </a:txBody>
-                  <a:tcPr/>
-                </a:tc>
-                <a:extLst>
-                  <a:ext uri="{0D108BD9-81ED-4DB2-BD59-A6C34878D82A}">
-                    <a16:rowId xmlns:a16="http://schemas.microsoft.com/office/drawing/2014/main" val="109181570"/>
-                  </a:ext>
-                </a:extLst>
-              </a:tr>
-              <a:tr h="370840">
-                <a:tc>
-                  <a:txBody>
-                    <a:bodyPr/>
-                    <a:lstStyle/>
-                    <a:p>
-                      <a:r>
-                        <a:rPr lang="en-US"/>
-                        <a:t>Employee #9</a:t>
-                      </a:r>
-                      <a:endParaRPr lang="ru-RU" dirty="0"/>
-                    </a:p>
-                  </a:txBody>
-                  <a:tcPr/>
-                </a:tc>
-                <a:tc>
-                  <a:txBody>
-                    <a:bodyPr/>
-                    <a:lstStyle/>
-                    <a:p>
-                      <a:r>
-                        <a:rPr lang="en-US" dirty="0"/>
-                        <a:t>emp9@company2.test</a:t>
-                      </a:r>
-                      <a:endParaRPr lang="ru-RU" dirty="0"/>
-                    </a:p>
-                  </a:txBody>
-                  <a:tcPr/>
-                </a:tc>
-                <a:tc>
-                  <a:txBody>
-                    <a:bodyPr/>
-                    <a:lstStyle/>
-                    <a:p>
-                      <a:r>
-                        <a:rPr lang="en-US" dirty="0"/>
-                        <a:t>1999-09-19</a:t>
-                      </a:r>
-                      <a:endParaRPr lang="ru-RU" dirty="0"/>
-                    </a:p>
-                  </a:txBody>
-                  <a:tcPr/>
-                </a:tc>
-                <a:extLst>
-                  <a:ext uri="{0D108BD9-81ED-4DB2-BD59-A6C34878D82A}">
-                    <a16:rowId xmlns:a16="http://schemas.microsoft.com/office/drawing/2014/main" val="109181570"/>
-                  </a:ext>
-                </a:extLst>
-              </a:tr>
-              <a:tr h="370840">
-                <a:tc>
-                  <a:txBody>
-                    <a:bodyPr/>
-                    <a:lstStyle/>
-                    <a:p>
-                      <a:r>
-                        <a:rPr lang="en-US"/>
-                        <a:t>Employee #10</a:t>
-                      </a:r>
-                      <a:endParaRPr lang="ru-RU" dirty="0"/>
-                    </a:p>
-                  </a:txBody>
-                  <a:tcPr/>
-                </a:tc>
-                <a:tc>
-                  <a:txBody>
-                    <a:bodyPr/>
-                    <a:lstStyle/>
-                    <a:p>
-                      <a:r>
-                        <a:rPr lang="en-US" dirty="0"/>
-                        <a:t>emp10@company2.test</a:t>
-                      </a:r>
-                      <a:endParaRPr lang="ru-RU" dirty="0"/>
-                    </a:p>
-                  </a:txBody>
-                  <a:tcPr/>
-                </a:tc>
-                <a:tc>
-                  <a:txBody>
-                    <a:bodyPr/>
-                    <a:lstStyle/>
-                    <a:p>
-                      <a:r>
-                        <a:rPr lang="en-US" dirty="0"/>
-                        <a:t>1998-03-19</a:t>
+                        <a:t>1992-05-12</a:t>
                       </a:r>
                       <a:endParaRPr lang="ru-RU" dirty="0"/>
                     </a:p>
@@ -5455,7 +5063,7 @@
                     <a:p>
                       <a:r>
                         <a:rPr lang="en-US" dirty="0"/>
-                        <a:t>1982-08-15</a:t>
+                        <a:t>1989-06-01</a:t>
                       </a:r>
                       <a:endParaRPr lang="ru-RU" dirty="0"/>
                     </a:p>
@@ -5504,7 +5112,7 @@
                     <a:p>
                       <a:r>
                         <a:rPr lang="en-US" dirty="0"/>
-                        <a:t>1995-09-24</a:t>
+                        <a:t>1990-06-25</a:t>
                       </a:r>
                       <a:endParaRPr lang="ru-RU" dirty="0"/>
                     </a:p>
@@ -5553,7 +5161,7 @@
                     <a:p>
                       <a:r>
                         <a:rPr lang="en-US" dirty="0"/>
-                        <a:t>1983-04-27</a:t>
+                        <a:t>1995-06-03</a:t>
                       </a:r>
                       <a:endParaRPr lang="ru-RU" dirty="0"/>
                     </a:p>
@@ -5602,7 +5210,7 @@
                     <a:p>
                       <a:r>
                         <a:rPr lang="en-US" dirty="0"/>
-                        <a:t>1981-03-25</a:t>
+                        <a:t>1990-06-30</a:t>
                       </a:r>
                       <a:endParaRPr lang="ru-RU" dirty="0"/>
                     </a:p>
@@ -5651,7 +5259,7 @@
                     <a:p>
                       <a:r>
                         <a:rPr lang="en-US" dirty="0"/>
-                        <a:t>1997-11-25</a:t>
+                        <a:t>1992-06-22</a:t>
                       </a:r>
                       <a:endParaRPr lang="ru-RU" dirty="0"/>
                     </a:p>
@@ -5700,7 +5308,7 @@
                     <a:p>
                       <a:r>
                         <a:rPr lang="en-US" dirty="0"/>
-                        <a:t>1991-04-08</a:t>
+                        <a:t>1984-06-17</a:t>
                       </a:r>
                       <a:endParaRPr lang="ru-RU" dirty="0"/>
                     </a:p>
@@ -5749,7 +5357,7 @@
                     <a:p>
                       <a:r>
                         <a:rPr lang="en-US" dirty="0"/>
-                        <a:t>1985-06-27</a:t>
+                        <a:t>1988-07-06</a:t>
                       </a:r>
                       <a:endParaRPr lang="ru-RU" dirty="0"/>
                     </a:p>
@@ -5798,7 +5406,7 @@
                     <a:p>
                       <a:r>
                         <a:rPr lang="en-US" dirty="0"/>
-                        <a:t>1991-07-30</a:t>
+                        <a:t>1981-08-26</a:t>
                       </a:r>
                       <a:endParaRPr lang="ru-RU" dirty="0"/>
                     </a:p>
@@ -5847,105 +5455,7 @@
                     <a:p>
                       <a:r>
                         <a:rPr lang="en-US" dirty="0"/>
-                        <a:t>1984-01-08</a:t>
-                      </a:r>
-                      <a:endParaRPr lang="ru-RU" dirty="0"/>
-                    </a:p>
-                  </a:txBody>
-                  <a:tcPr/>
-                </a:tc>
-                <a:extLst>
-                  <a:ext uri="{0D108BD9-81ED-4DB2-BD59-A6C34878D82A}">
-                    <a16:rowId xmlns:a16="http://schemas.microsoft.com/office/drawing/2014/main" val="109181570"/>
-                  </a:ext>
-                </a:extLst>
-              </a:tr>
-              <a:tr h="370840">
-                <a:tc>
-                  <a:txBody>
-                    <a:bodyPr/>
-                    <a:lstStyle/>
-                    <a:p>
-                      <a:r>
-                        <a:rPr lang="en-US"/>
-                        <a:t>Employee #10</a:t>
-                      </a:r>
-                      <a:endParaRPr lang="ru-RU" dirty="0"/>
-                    </a:p>
-                  </a:txBody>
-                  <a:tcPr/>
-                </a:tc>
-                <a:tc>
-                  <a:txBody>
-                    <a:bodyPr/>
-                    <a:lstStyle/>
-                    <a:p>
-                      <a:r>
-                        <a:rPr lang="en-US" dirty="0"/>
-                        <a:t>emp10@company3.test</a:t>
-                      </a:r>
-                      <a:endParaRPr lang="ru-RU" dirty="0"/>
-                    </a:p>
-                  </a:txBody>
-                  <a:tcPr/>
-                </a:tc>
-                <a:tc>
-                  <a:txBody>
-                    <a:bodyPr/>
-                    <a:lstStyle/>
-                    <a:p>
-                      <a:r>
-                        <a:rPr lang="en-US" dirty="0"/>
-                        <a:t>1985-09-30</a:t>
-                      </a:r>
-                      <a:endParaRPr lang="ru-RU" dirty="0"/>
-                    </a:p>
-                  </a:txBody>
-                  <a:tcPr/>
-                </a:tc>
-                <a:extLst>
-                  <a:ext uri="{0D108BD9-81ED-4DB2-BD59-A6C34878D82A}">
-                    <a16:rowId xmlns:a16="http://schemas.microsoft.com/office/drawing/2014/main" val="109181570"/>
-                  </a:ext>
-                </a:extLst>
-              </a:tr>
-              <a:tr h="370840">
-                <a:tc>
-                  <a:txBody>
-                    <a:bodyPr/>
-                    <a:lstStyle/>
-                    <a:p>
-                      <a:r>
-                        <a:rPr lang="en-US"/>
-                        <a:t>Employee #11</a:t>
-                      </a:r>
-                      <a:endParaRPr lang="ru-RU" dirty="0"/>
-                    </a:p>
-                  </a:txBody>
-                  <a:tcPr/>
-                </a:tc>
-                <a:tc>
-                  <a:txBody>
-                    <a:bodyPr/>
-                    <a:lstStyle/>
-                    <a:p>
-                      <a:r>
-                        <a:rPr lang="en-US" dirty="0"/>
-                        <a:t>emp11@company3.test</a:t>
-                      </a:r>
-                      <a:endParaRPr lang="ru-RU" dirty="0"/>
-                    </a:p>
-                  </a:txBody>
-                  <a:tcPr/>
-                </a:tc>
-                <a:tc>
-                  <a:txBody>
-                    <a:bodyPr/>
-                    <a:lstStyle/>
-                    <a:p>
-                      <a:r>
-                        <a:rPr lang="en-US" dirty="0"/>
-                        <a:t>1981-04-03</a:t>
+                        <a:t>1996-02-09</a:t>
                       </a:r>
                       <a:endParaRPr lang="ru-RU" dirty="0"/>
                     </a:p>

--- a/Test/Presentations/template_result_streams.pptx
+++ b/Test/Presentations/template_result_streams.pptx
@@ -8,11 +8,11 @@
     <p:notesMasterId r:id="rId5"/>
   </p:notesMasterIdLst>
   <p:sldIdLst>
-    <p:sldId id="259" r:id="R904045a65bdd4b7e"/>
-    <p:sldId id="260" r:id="R97c45719fd5545bc"/>
-    <p:sldId id="261" r:id="R694e97fb9e604431"/>
-    <p:sldId id="262" r:id="R97626b0d32ab4f87"/>
-    <p:sldId id="263" r:id="R82265f053e4c4756"/>
+    <p:sldId id="259" r:id="Rd4c2279beb3c43e4"/>
+    <p:sldId id="260" r:id="Rfa965466bd1d4e82"/>
+    <p:sldId id="261" r:id="Rfbd8ff355213401f"/>
+    <p:sldId id="262" r:id="R1870e8d052a44346"/>
+    <p:sldId id="263" r:id="Rf74aae90abd04f29"/>
   </p:sldIdLst>
   <p:sldSz cx="12192000" cy="6858000"/>
   <p:notesSz cx="6858000" cy="9144000"/>
@@ -3744,7 +3744,7 @@
                   </a:schemeClr>
                 </a:solidFill>
               </a:rPr>
-              <a:t>Date: 20.09.2024</a:t>
+              <a:t>Date: 23.09.2024</a:t>
             </a:r>
             <a:endParaRPr lang="ru-RU" dirty="0">
               <a:solidFill>
@@ -3824,7 +3824,7 @@
                   </a:schemeClr>
                 </a:solidFill>
               </a:rPr>
-              <a:t>20 September 2024</a:t>
+              <a:t>23 September 2024</a:t>
             </a:r>
             <a:endParaRPr lang="ru-RU" sz="2000" dirty="0"/>
           </a:p>
@@ -4105,7 +4105,7 @@
                     <a:p>
                       <a:r>
                         <a:rPr lang="en-US" dirty="0"/>
-                        <a:t>1986-10-29</a:t>
+                        <a:t>1984-03-05</a:t>
                       </a:r>
                       <a:endParaRPr lang="ru-RU" dirty="0"/>
                     </a:p>
@@ -4154,7 +4154,7 @@
                     <a:p>
                       <a:r>
                         <a:rPr lang="en-US" dirty="0"/>
-                        <a:t>1988-01-28</a:t>
+                        <a:t>1988-07-08</a:t>
                       </a:r>
                       <a:endParaRPr lang="ru-RU" dirty="0"/>
                     </a:p>
@@ -4203,7 +4203,7 @@
                     <a:p>
                       <a:r>
                         <a:rPr lang="en-US" dirty="0"/>
-                        <a:t>1993-07-25</a:t>
+                        <a:t>1997-11-07</a:t>
                       </a:r>
                       <a:endParaRPr lang="ru-RU" dirty="0"/>
                     </a:p>
@@ -4252,7 +4252,7 @@
                     <a:p>
                       <a:r>
                         <a:rPr lang="en-US" dirty="0"/>
-                        <a:t>1985-07-08</a:t>
+                        <a:t>1980-04-13</a:t>
                       </a:r>
                       <a:endParaRPr lang="ru-RU" dirty="0"/>
                     </a:p>
@@ -4301,7 +4301,7 @@
                     <a:p>
                       <a:r>
                         <a:rPr lang="en-US" dirty="0"/>
-                        <a:t>1995-11-29</a:t>
+                        <a:t>1983-08-30</a:t>
                       </a:r>
                       <a:endParaRPr lang="ru-RU" dirty="0"/>
                     </a:p>
@@ -4350,7 +4350,7 @@
                     <a:p>
                       <a:r>
                         <a:rPr lang="en-US" dirty="0"/>
-                        <a:t>1990-09-05</a:t>
+                        <a:t>1998-10-26</a:t>
                       </a:r>
                       <a:endParaRPr lang="ru-RU" dirty="0"/>
                     </a:p>
@@ -4584,7 +4584,7 @@
                     <a:p>
                       <a:r>
                         <a:rPr lang="en-US" dirty="0"/>
-                        <a:t>1982-05-30</a:t>
+                        <a:t>1988-08-25</a:t>
                       </a:r>
                       <a:endParaRPr lang="ru-RU" dirty="0"/>
                     </a:p>
@@ -4633,7 +4633,7 @@
                     <a:p>
                       <a:r>
                         <a:rPr lang="en-US" dirty="0"/>
-                        <a:t>1983-09-28</a:t>
+                        <a:t>1984-02-10</a:t>
                       </a:r>
                       <a:endParaRPr lang="ru-RU" dirty="0"/>
                     </a:p>
@@ -4682,7 +4682,7 @@
                     <a:p>
                       <a:r>
                         <a:rPr lang="en-US" dirty="0"/>
-                        <a:t>1989-06-03</a:t>
+                        <a:t>1999-09-22</a:t>
                       </a:r>
                       <a:endParaRPr lang="ru-RU" dirty="0"/>
                     </a:p>
@@ -4731,7 +4731,7 @@
                     <a:p>
                       <a:r>
                         <a:rPr lang="en-US" dirty="0"/>
-                        <a:t>1992-06-16</a:t>
+                        <a:t>1982-03-25</a:t>
                       </a:r>
                       <a:endParaRPr lang="ru-RU" dirty="0"/>
                     </a:p>
@@ -4780,7 +4780,7 @@
                     <a:p>
                       <a:r>
                         <a:rPr lang="en-US" dirty="0"/>
-                        <a:t>1999-03-02</a:t>
+                        <a:t>1988-05-18</a:t>
                       </a:r>
                       <a:endParaRPr lang="ru-RU" dirty="0"/>
                     </a:p>
@@ -4829,7 +4829,252 @@
                     <a:p>
                       <a:r>
                         <a:rPr lang="en-US" dirty="0"/>
-                        <a:t>1992-05-12</a:t>
+                        <a:t>1999-02-07</a:t>
+                      </a:r>
+                      <a:endParaRPr lang="ru-RU" dirty="0"/>
+                    </a:p>
+                  </a:txBody>
+                  <a:tcPr/>
+                </a:tc>
+                <a:extLst>
+                  <a:ext uri="{0D108BD9-81ED-4DB2-BD59-A6C34878D82A}">
+                    <a16:rowId xmlns:a16="http://schemas.microsoft.com/office/drawing/2014/main" val="109181570"/>
+                  </a:ext>
+                </a:extLst>
+              </a:tr>
+              <a:tr h="370840">
+                <a:tc>
+                  <a:txBody>
+                    <a:bodyPr/>
+                    <a:lstStyle/>
+                    <a:p>
+                      <a:r>
+                        <a:rPr lang="en-US"/>
+                        <a:t>Employee #7</a:t>
+                      </a:r>
+                      <a:endParaRPr lang="ru-RU" dirty="0"/>
+                    </a:p>
+                  </a:txBody>
+                  <a:tcPr/>
+                </a:tc>
+                <a:tc>
+                  <a:txBody>
+                    <a:bodyPr/>
+                    <a:lstStyle/>
+                    <a:p>
+                      <a:r>
+                        <a:rPr lang="en-US" dirty="0"/>
+                        <a:t>emp7@company2.test</a:t>
+                      </a:r>
+                      <a:endParaRPr lang="ru-RU" dirty="0"/>
+                    </a:p>
+                  </a:txBody>
+                  <a:tcPr/>
+                </a:tc>
+                <a:tc>
+                  <a:txBody>
+                    <a:bodyPr/>
+                    <a:lstStyle/>
+                    <a:p>
+                      <a:r>
+                        <a:rPr lang="en-US" dirty="0"/>
+                        <a:t>1988-04-14</a:t>
+                      </a:r>
+                      <a:endParaRPr lang="ru-RU" dirty="0"/>
+                    </a:p>
+                  </a:txBody>
+                  <a:tcPr/>
+                </a:tc>
+                <a:extLst>
+                  <a:ext uri="{0D108BD9-81ED-4DB2-BD59-A6C34878D82A}">
+                    <a16:rowId xmlns:a16="http://schemas.microsoft.com/office/drawing/2014/main" val="109181570"/>
+                  </a:ext>
+                </a:extLst>
+              </a:tr>
+              <a:tr h="370840">
+                <a:tc>
+                  <a:txBody>
+                    <a:bodyPr/>
+                    <a:lstStyle/>
+                    <a:p>
+                      <a:r>
+                        <a:rPr lang="en-US"/>
+                        <a:t>Employee #8</a:t>
+                      </a:r>
+                      <a:endParaRPr lang="ru-RU" dirty="0"/>
+                    </a:p>
+                  </a:txBody>
+                  <a:tcPr/>
+                </a:tc>
+                <a:tc>
+                  <a:txBody>
+                    <a:bodyPr/>
+                    <a:lstStyle/>
+                    <a:p>
+                      <a:r>
+                        <a:rPr lang="en-US" dirty="0"/>
+                        <a:t>emp8@company2.test</a:t>
+                      </a:r>
+                      <a:endParaRPr lang="ru-RU" dirty="0"/>
+                    </a:p>
+                  </a:txBody>
+                  <a:tcPr/>
+                </a:tc>
+                <a:tc>
+                  <a:txBody>
+                    <a:bodyPr/>
+                    <a:lstStyle/>
+                    <a:p>
+                      <a:r>
+                        <a:rPr lang="en-US" dirty="0"/>
+                        <a:t>1991-05-18</a:t>
+                      </a:r>
+                      <a:endParaRPr lang="ru-RU" dirty="0"/>
+                    </a:p>
+                  </a:txBody>
+                  <a:tcPr/>
+                </a:tc>
+                <a:extLst>
+                  <a:ext uri="{0D108BD9-81ED-4DB2-BD59-A6C34878D82A}">
+                    <a16:rowId xmlns:a16="http://schemas.microsoft.com/office/drawing/2014/main" val="109181570"/>
+                  </a:ext>
+                </a:extLst>
+              </a:tr>
+              <a:tr h="370840">
+                <a:tc>
+                  <a:txBody>
+                    <a:bodyPr/>
+                    <a:lstStyle/>
+                    <a:p>
+                      <a:r>
+                        <a:rPr lang="en-US"/>
+                        <a:t>Employee #9</a:t>
+                      </a:r>
+                      <a:endParaRPr lang="ru-RU" dirty="0"/>
+                    </a:p>
+                  </a:txBody>
+                  <a:tcPr/>
+                </a:tc>
+                <a:tc>
+                  <a:txBody>
+                    <a:bodyPr/>
+                    <a:lstStyle/>
+                    <a:p>
+                      <a:r>
+                        <a:rPr lang="en-US" dirty="0"/>
+                        <a:t>emp9@company2.test</a:t>
+                      </a:r>
+                      <a:endParaRPr lang="ru-RU" dirty="0"/>
+                    </a:p>
+                  </a:txBody>
+                  <a:tcPr/>
+                </a:tc>
+                <a:tc>
+                  <a:txBody>
+                    <a:bodyPr/>
+                    <a:lstStyle/>
+                    <a:p>
+                      <a:r>
+                        <a:rPr lang="en-US" dirty="0"/>
+                        <a:t>1998-02-03</a:t>
+                      </a:r>
+                      <a:endParaRPr lang="ru-RU" dirty="0"/>
+                    </a:p>
+                  </a:txBody>
+                  <a:tcPr/>
+                </a:tc>
+                <a:extLst>
+                  <a:ext uri="{0D108BD9-81ED-4DB2-BD59-A6C34878D82A}">
+                    <a16:rowId xmlns:a16="http://schemas.microsoft.com/office/drawing/2014/main" val="109181570"/>
+                  </a:ext>
+                </a:extLst>
+              </a:tr>
+              <a:tr h="370840">
+                <a:tc>
+                  <a:txBody>
+                    <a:bodyPr/>
+                    <a:lstStyle/>
+                    <a:p>
+                      <a:r>
+                        <a:rPr lang="en-US"/>
+                        <a:t>Employee #10</a:t>
+                      </a:r>
+                      <a:endParaRPr lang="ru-RU" dirty="0"/>
+                    </a:p>
+                  </a:txBody>
+                  <a:tcPr/>
+                </a:tc>
+                <a:tc>
+                  <a:txBody>
+                    <a:bodyPr/>
+                    <a:lstStyle/>
+                    <a:p>
+                      <a:r>
+                        <a:rPr lang="en-US" dirty="0"/>
+                        <a:t>emp10@company2.test</a:t>
+                      </a:r>
+                      <a:endParaRPr lang="ru-RU" dirty="0"/>
+                    </a:p>
+                  </a:txBody>
+                  <a:tcPr/>
+                </a:tc>
+                <a:tc>
+                  <a:txBody>
+                    <a:bodyPr/>
+                    <a:lstStyle/>
+                    <a:p>
+                      <a:r>
+                        <a:rPr lang="en-US" dirty="0"/>
+                        <a:t>1988-07-11</a:t>
+                      </a:r>
+                      <a:endParaRPr lang="ru-RU" dirty="0"/>
+                    </a:p>
+                  </a:txBody>
+                  <a:tcPr/>
+                </a:tc>
+                <a:extLst>
+                  <a:ext uri="{0D108BD9-81ED-4DB2-BD59-A6C34878D82A}">
+                    <a16:rowId xmlns:a16="http://schemas.microsoft.com/office/drawing/2014/main" val="109181570"/>
+                  </a:ext>
+                </a:extLst>
+              </a:tr>
+              <a:tr h="370840">
+                <a:tc>
+                  <a:txBody>
+                    <a:bodyPr/>
+                    <a:lstStyle/>
+                    <a:p>
+                      <a:r>
+                        <a:rPr lang="en-US"/>
+                        <a:t>Employee #11</a:t>
+                      </a:r>
+                      <a:endParaRPr lang="ru-RU" dirty="0"/>
+                    </a:p>
+                  </a:txBody>
+                  <a:tcPr/>
+                </a:tc>
+                <a:tc>
+                  <a:txBody>
+                    <a:bodyPr/>
+                    <a:lstStyle/>
+                    <a:p>
+                      <a:r>
+                        <a:rPr lang="en-US" dirty="0"/>
+                        <a:t>emp11@company2.test</a:t>
+                      </a:r>
+                      <a:endParaRPr lang="ru-RU" dirty="0"/>
+                    </a:p>
+                  </a:txBody>
+                  <a:tcPr/>
+                </a:tc>
+                <a:tc>
+                  <a:txBody>
+                    <a:bodyPr/>
+                    <a:lstStyle/>
+                    <a:p>
+                      <a:r>
+                        <a:rPr lang="en-US" dirty="0"/>
+                        <a:t>1988-11-29</a:t>
                       </a:r>
                       <a:endParaRPr lang="ru-RU" dirty="0"/>
                     </a:p>
@@ -5063,7 +5308,7 @@
                     <a:p>
                       <a:r>
                         <a:rPr lang="en-US" dirty="0"/>
-                        <a:t>1989-06-01</a:t>
+                        <a:t>1981-04-12</a:t>
                       </a:r>
                       <a:endParaRPr lang="ru-RU" dirty="0"/>
                     </a:p>
@@ -5112,7 +5357,7 @@
                     <a:p>
                       <a:r>
                         <a:rPr lang="en-US" dirty="0"/>
-                        <a:t>1990-06-25</a:t>
+                        <a:t>1989-03-13</a:t>
                       </a:r>
                       <a:endParaRPr lang="ru-RU" dirty="0"/>
                     </a:p>
@@ -5161,7 +5406,7 @@
                     <a:p>
                       <a:r>
                         <a:rPr lang="en-US" dirty="0"/>
-                        <a:t>1995-06-03</a:t>
+                        <a:t>1982-03-29</a:t>
                       </a:r>
                       <a:endParaRPr lang="ru-RU" dirty="0"/>
                     </a:p>
@@ -5210,7 +5455,7 @@
                     <a:p>
                       <a:r>
                         <a:rPr lang="en-US" dirty="0"/>
-                        <a:t>1990-06-30</a:t>
+                        <a:t>1989-01-06</a:t>
                       </a:r>
                       <a:endParaRPr lang="ru-RU" dirty="0"/>
                     </a:p>
@@ -5259,7 +5504,7 @@
                     <a:p>
                       <a:r>
                         <a:rPr lang="en-US" dirty="0"/>
-                        <a:t>1992-06-22</a:t>
+                        <a:t>1991-11-21</a:t>
                       </a:r>
                       <a:endParaRPr lang="ru-RU" dirty="0"/>
                     </a:p>
@@ -5308,7 +5553,7 @@
                     <a:p>
                       <a:r>
                         <a:rPr lang="en-US" dirty="0"/>
-                        <a:t>1984-06-17</a:t>
+                        <a:t>1993-11-28</a:t>
                       </a:r>
                       <a:endParaRPr lang="ru-RU" dirty="0"/>
                     </a:p>
@@ -5357,7 +5602,7 @@
                     <a:p>
                       <a:r>
                         <a:rPr lang="en-US" dirty="0"/>
-                        <a:t>1988-07-06</a:t>
+                        <a:t>1992-08-19</a:t>
                       </a:r>
                       <a:endParaRPr lang="ru-RU" dirty="0"/>
                     </a:p>
@@ -5406,7 +5651,7 @@
                     <a:p>
                       <a:r>
                         <a:rPr lang="en-US" dirty="0"/>
-                        <a:t>1981-08-26</a:t>
+                        <a:t>1980-07-04</a:t>
                       </a:r>
                       <a:endParaRPr lang="ru-RU" dirty="0"/>
                     </a:p>
@@ -5455,7 +5700,105 @@
                     <a:p>
                       <a:r>
                         <a:rPr lang="en-US" dirty="0"/>
-                        <a:t>1996-02-09</a:t>
+                        <a:t>1998-05-07</a:t>
+                      </a:r>
+                      <a:endParaRPr lang="ru-RU" dirty="0"/>
+                    </a:p>
+                  </a:txBody>
+                  <a:tcPr/>
+                </a:tc>
+                <a:extLst>
+                  <a:ext uri="{0D108BD9-81ED-4DB2-BD59-A6C34878D82A}">
+                    <a16:rowId xmlns:a16="http://schemas.microsoft.com/office/drawing/2014/main" val="109181570"/>
+                  </a:ext>
+                </a:extLst>
+              </a:tr>
+              <a:tr h="370840">
+                <a:tc>
+                  <a:txBody>
+                    <a:bodyPr/>
+                    <a:lstStyle/>
+                    <a:p>
+                      <a:r>
+                        <a:rPr lang="en-US"/>
+                        <a:t>Employee #10</a:t>
+                      </a:r>
+                      <a:endParaRPr lang="ru-RU" dirty="0"/>
+                    </a:p>
+                  </a:txBody>
+                  <a:tcPr/>
+                </a:tc>
+                <a:tc>
+                  <a:txBody>
+                    <a:bodyPr/>
+                    <a:lstStyle/>
+                    <a:p>
+                      <a:r>
+                        <a:rPr lang="en-US" dirty="0"/>
+                        <a:t>emp10@company3.test</a:t>
+                      </a:r>
+                      <a:endParaRPr lang="ru-RU" dirty="0"/>
+                    </a:p>
+                  </a:txBody>
+                  <a:tcPr/>
+                </a:tc>
+                <a:tc>
+                  <a:txBody>
+                    <a:bodyPr/>
+                    <a:lstStyle/>
+                    <a:p>
+                      <a:r>
+                        <a:rPr lang="en-US" dirty="0"/>
+                        <a:t>1991-07-18</a:t>
+                      </a:r>
+                      <a:endParaRPr lang="ru-RU" dirty="0"/>
+                    </a:p>
+                  </a:txBody>
+                  <a:tcPr/>
+                </a:tc>
+                <a:extLst>
+                  <a:ext uri="{0D108BD9-81ED-4DB2-BD59-A6C34878D82A}">
+                    <a16:rowId xmlns:a16="http://schemas.microsoft.com/office/drawing/2014/main" val="109181570"/>
+                  </a:ext>
+                </a:extLst>
+              </a:tr>
+              <a:tr h="370840">
+                <a:tc>
+                  <a:txBody>
+                    <a:bodyPr/>
+                    <a:lstStyle/>
+                    <a:p>
+                      <a:r>
+                        <a:rPr lang="en-US"/>
+                        <a:t>Employee #11</a:t>
+                      </a:r>
+                      <a:endParaRPr lang="ru-RU" dirty="0"/>
+                    </a:p>
+                  </a:txBody>
+                  <a:tcPr/>
+                </a:tc>
+                <a:tc>
+                  <a:txBody>
+                    <a:bodyPr/>
+                    <a:lstStyle/>
+                    <a:p>
+                      <a:r>
+                        <a:rPr lang="en-US" dirty="0"/>
+                        <a:t>emp11@company3.test</a:t>
+                      </a:r>
+                      <a:endParaRPr lang="ru-RU" dirty="0"/>
+                    </a:p>
+                  </a:txBody>
+                  <a:tcPr/>
+                </a:tc>
+                <a:tc>
+                  <a:txBody>
+                    <a:bodyPr/>
+                    <a:lstStyle/>
+                    <a:p>
+                      <a:r>
+                        <a:rPr lang="en-US" dirty="0"/>
+                        <a:t>1987-02-08</a:t>
                       </a:r>
                       <a:endParaRPr lang="ru-RU" dirty="0"/>
                     </a:p>

--- a/Test/Presentations/template_result_streams.pptx
+++ b/Test/Presentations/template_result_streams.pptx
@@ -8,11 +8,11 @@
     <p:notesMasterId r:id="rId5"/>
   </p:notesMasterIdLst>
   <p:sldIdLst>
-    <p:sldId id="259" r:id="Rd4c2279beb3c43e4"/>
-    <p:sldId id="260" r:id="Rfa965466bd1d4e82"/>
-    <p:sldId id="261" r:id="Rfbd8ff355213401f"/>
-    <p:sldId id="262" r:id="R1870e8d052a44346"/>
-    <p:sldId id="263" r:id="Rf74aae90abd04f29"/>
+    <p:sldId id="259" r:id="R5b9d9b45e1dc46e8"/>
+    <p:sldId id="260" r:id="R3a3b29a3e2ef45f3"/>
+    <p:sldId id="261" r:id="R3fb1feedbbb342b2"/>
+    <p:sldId id="262" r:id="R5a6eea639c4a4b66"/>
+    <p:sldId id="263" r:id="R07860322cc064d9c"/>
   </p:sldIdLst>
   <p:sldSz cx="12192000" cy="6858000"/>
   <p:notesSz cx="6858000" cy="9144000"/>
@@ -204,7 +204,7 @@
           <a:p>
             <a:fld id="{96129386-331A-4479-A604-9D03FC98566D}" type="datetimeFigureOut">
               <a:rPr lang="ru-RU" smtClean="0"/>
-              <a:t>14.04.2020</a:t>
+              <a:t>24.09.2024</a:t>
             </a:fld>
             <a:endParaRPr lang="ru-RU"/>
           </a:p>
@@ -618,7 +618,7 @@
           <a:p>
             <a:fld id="{60333C80-F893-47D7-9906-1E3D3180BB29}" type="datetimeFigureOut">
               <a:rPr lang="ru-RU" smtClean="0"/>
-              <a:t>14.04.2020</a:t>
+              <a:t>24.09.2024</a:t>
             </a:fld>
             <a:endParaRPr lang="ru-RU"/>
           </a:p>
@@ -816,7 +816,7 @@
           <a:p>
             <a:fld id="{60333C80-F893-47D7-9906-1E3D3180BB29}" type="datetimeFigureOut">
               <a:rPr lang="ru-RU" smtClean="0"/>
-              <a:t>14.04.2020</a:t>
+              <a:t>24.09.2024</a:t>
             </a:fld>
             <a:endParaRPr lang="ru-RU"/>
           </a:p>
@@ -1024,7 +1024,7 @@
           <a:p>
             <a:fld id="{60333C80-F893-47D7-9906-1E3D3180BB29}" type="datetimeFigureOut">
               <a:rPr lang="ru-RU" smtClean="0"/>
-              <a:t>14.04.2020</a:t>
+              <a:t>24.09.2024</a:t>
             </a:fld>
             <a:endParaRPr lang="ru-RU"/>
           </a:p>
@@ -1222,7 +1222,7 @@
           <a:p>
             <a:fld id="{60333C80-F893-47D7-9906-1E3D3180BB29}" type="datetimeFigureOut">
               <a:rPr lang="ru-RU" smtClean="0"/>
-              <a:t>14.04.2020</a:t>
+              <a:t>24.09.2024</a:t>
             </a:fld>
             <a:endParaRPr lang="ru-RU"/>
           </a:p>
@@ -1497,7 +1497,7 @@
           <a:p>
             <a:fld id="{60333C80-F893-47D7-9906-1E3D3180BB29}" type="datetimeFigureOut">
               <a:rPr lang="ru-RU" smtClean="0"/>
-              <a:t>14.04.2020</a:t>
+              <a:t>24.09.2024</a:t>
             </a:fld>
             <a:endParaRPr lang="ru-RU"/>
           </a:p>
@@ -1762,7 +1762,7 @@
           <a:p>
             <a:fld id="{60333C80-F893-47D7-9906-1E3D3180BB29}" type="datetimeFigureOut">
               <a:rPr lang="ru-RU" smtClean="0"/>
-              <a:t>14.04.2020</a:t>
+              <a:t>24.09.2024</a:t>
             </a:fld>
             <a:endParaRPr lang="ru-RU"/>
           </a:p>
@@ -2174,7 +2174,7 @@
           <a:p>
             <a:fld id="{60333C80-F893-47D7-9906-1E3D3180BB29}" type="datetimeFigureOut">
               <a:rPr lang="ru-RU" smtClean="0"/>
-              <a:t>14.04.2020</a:t>
+              <a:t>24.09.2024</a:t>
             </a:fld>
             <a:endParaRPr lang="ru-RU"/>
           </a:p>
@@ -2315,7 +2315,7 @@
           <a:p>
             <a:fld id="{60333C80-F893-47D7-9906-1E3D3180BB29}" type="datetimeFigureOut">
               <a:rPr lang="ru-RU" smtClean="0"/>
-              <a:t>14.04.2020</a:t>
+              <a:t>24.09.2024</a:t>
             </a:fld>
             <a:endParaRPr lang="ru-RU"/>
           </a:p>
@@ -2428,7 +2428,7 @@
           <a:p>
             <a:fld id="{60333C80-F893-47D7-9906-1E3D3180BB29}" type="datetimeFigureOut">
               <a:rPr lang="ru-RU" smtClean="0"/>
-              <a:t>14.04.2020</a:t>
+              <a:t>24.09.2024</a:t>
             </a:fld>
             <a:endParaRPr lang="ru-RU"/>
           </a:p>
@@ -2739,7 +2739,7 @@
           <a:p>
             <a:fld id="{60333C80-F893-47D7-9906-1E3D3180BB29}" type="datetimeFigureOut">
               <a:rPr lang="ru-RU" smtClean="0"/>
-              <a:t>14.04.2020</a:t>
+              <a:t>24.09.2024</a:t>
             </a:fld>
             <a:endParaRPr lang="ru-RU"/>
           </a:p>
@@ -3027,7 +3027,7 @@
           <a:p>
             <a:fld id="{60333C80-F893-47D7-9906-1E3D3180BB29}" type="datetimeFigureOut">
               <a:rPr lang="ru-RU" smtClean="0"/>
-              <a:t>14.04.2020</a:t>
+              <a:t>24.09.2024</a:t>
             </a:fld>
             <a:endParaRPr lang="ru-RU"/>
           </a:p>
@@ -3268,7 +3268,7 @@
           <a:p>
             <a:fld id="{60333C80-F893-47D7-9906-1E3D3180BB29}" type="datetimeFigureOut">
               <a:rPr lang="ru-RU" smtClean="0"/>
-              <a:t>14.04.2020</a:t>
+              <a:t>24.09.2024</a:t>
             </a:fld>
             <a:endParaRPr lang="ru-RU"/>
           </a:p>
@@ -3744,7 +3744,7 @@
                   </a:schemeClr>
                 </a:solidFill>
               </a:rPr>
-              <a:t>Date: 23.09.2024</a:t>
+              <a:t>Date: 25.09.2024</a:t>
             </a:r>
             <a:endParaRPr lang="ru-RU" dirty="0">
               <a:solidFill>
@@ -3824,7 +3824,7 @@
                   </a:schemeClr>
                 </a:solidFill>
               </a:rPr>
-              <a:t>23 September 2024</a:t>
+              <a:t>25 September 2024</a:t>
             </a:r>
             <a:endParaRPr lang="ru-RU" sz="2000" dirty="0"/>
           </a:p>
@@ -3884,6 +3884,14 @@
             <a:endParaRPr lang="en-US" dirty="0"/>
           </a:p>
           <a:p>
+            <a:r>
+              <a:rPr lang="en-US" dirty="0" err="1"/>
+              <a:t>HtmlAsText</a:t>
+            </a:r>
+            <a:r>
+              <a:rPr lang="en-US" dirty="0"/>
+              <a:t>: </a:t>
+            </a:r>
             <a:endParaRPr lang="ru-RU" dirty="0"/>
           </a:p>
         </p:txBody>
@@ -4105,7 +4113,7 @@
                     <a:p>
                       <a:r>
                         <a:rPr lang="en-US" dirty="0"/>
-                        <a:t>1984-03-05</a:t>
+                        <a:t>1997-01-16</a:t>
                       </a:r>
                       <a:endParaRPr lang="ru-RU" dirty="0"/>
                     </a:p>
@@ -4154,7 +4162,7 @@
                     <a:p>
                       <a:r>
                         <a:rPr lang="en-US" dirty="0"/>
-                        <a:t>1988-07-08</a:t>
+                        <a:t>1999-07-03</a:t>
                       </a:r>
                       <a:endParaRPr lang="ru-RU" dirty="0"/>
                     </a:p>
@@ -4203,7 +4211,7 @@
                     <a:p>
                       <a:r>
                         <a:rPr lang="en-US" dirty="0"/>
-                        <a:t>1997-11-07</a:t>
+                        <a:t>1980-06-27</a:t>
                       </a:r>
                       <a:endParaRPr lang="ru-RU" dirty="0"/>
                     </a:p>
@@ -4252,105 +4260,7 @@
                     <a:p>
                       <a:r>
                         <a:rPr lang="en-US" dirty="0"/>
-                        <a:t>1980-04-13</a:t>
-                      </a:r>
-                      <a:endParaRPr lang="ru-RU" dirty="0"/>
-                    </a:p>
-                  </a:txBody>
-                  <a:tcPr/>
-                </a:tc>
-                <a:extLst>
-                  <a:ext uri="{0D108BD9-81ED-4DB2-BD59-A6C34878D82A}">
-                    <a16:rowId xmlns:a16="http://schemas.microsoft.com/office/drawing/2014/main" val="109181570"/>
-                  </a:ext>
-                </a:extLst>
-              </a:tr>
-              <a:tr h="370840">
-                <a:tc>
-                  <a:txBody>
-                    <a:bodyPr/>
-                    <a:lstStyle/>
-                    <a:p>
-                      <a:r>
-                        <a:rPr lang="en-US"/>
-                        <a:t>Employee #5</a:t>
-                      </a:r>
-                      <a:endParaRPr lang="ru-RU" dirty="0"/>
-                    </a:p>
-                  </a:txBody>
-                  <a:tcPr/>
-                </a:tc>
-                <a:tc>
-                  <a:txBody>
-                    <a:bodyPr/>
-                    <a:lstStyle/>
-                    <a:p>
-                      <a:r>
-                        <a:rPr lang="en-US" dirty="0"/>
-                        <a:t>emp5@company1.test</a:t>
-                      </a:r>
-                      <a:endParaRPr lang="ru-RU" dirty="0"/>
-                    </a:p>
-                  </a:txBody>
-                  <a:tcPr/>
-                </a:tc>
-                <a:tc>
-                  <a:txBody>
-                    <a:bodyPr/>
-                    <a:lstStyle/>
-                    <a:p>
-                      <a:r>
-                        <a:rPr lang="en-US" dirty="0"/>
-                        <a:t>1983-08-30</a:t>
-                      </a:r>
-                      <a:endParaRPr lang="ru-RU" dirty="0"/>
-                    </a:p>
-                  </a:txBody>
-                  <a:tcPr/>
-                </a:tc>
-                <a:extLst>
-                  <a:ext uri="{0D108BD9-81ED-4DB2-BD59-A6C34878D82A}">
-                    <a16:rowId xmlns:a16="http://schemas.microsoft.com/office/drawing/2014/main" val="109181570"/>
-                  </a:ext>
-                </a:extLst>
-              </a:tr>
-              <a:tr h="370840">
-                <a:tc>
-                  <a:txBody>
-                    <a:bodyPr/>
-                    <a:lstStyle/>
-                    <a:p>
-                      <a:r>
-                        <a:rPr lang="en-US"/>
-                        <a:t>Employee #6</a:t>
-                      </a:r>
-                      <a:endParaRPr lang="ru-RU" dirty="0"/>
-                    </a:p>
-                  </a:txBody>
-                  <a:tcPr/>
-                </a:tc>
-                <a:tc>
-                  <a:txBody>
-                    <a:bodyPr/>
-                    <a:lstStyle/>
-                    <a:p>
-                      <a:r>
-                        <a:rPr lang="en-US" dirty="0"/>
-                        <a:t>emp6@company1.test</a:t>
-                      </a:r>
-                      <a:endParaRPr lang="ru-RU" dirty="0"/>
-                    </a:p>
-                  </a:txBody>
-                  <a:tcPr/>
-                </a:tc>
-                <a:tc>
-                  <a:txBody>
-                    <a:bodyPr/>
-                    <a:lstStyle/>
-                    <a:p>
-                      <a:r>
-                        <a:rPr lang="en-US" dirty="0"/>
-                        <a:t>1998-10-26</a:t>
+                        <a:t>1997-01-14</a:t>
                       </a:r>
                       <a:endParaRPr lang="ru-RU" dirty="0"/>
                     </a:p>
@@ -4584,7 +4494,7 @@
                     <a:p>
                       <a:r>
                         <a:rPr lang="en-US" dirty="0"/>
-                        <a:t>1988-08-25</a:t>
+                        <a:t>1980-03-23</a:t>
                       </a:r>
                       <a:endParaRPr lang="ru-RU" dirty="0"/>
                     </a:p>
@@ -4633,7 +4543,7 @@
                     <a:p>
                       <a:r>
                         <a:rPr lang="en-US" dirty="0"/>
-                        <a:t>1984-02-10</a:t>
+                        <a:t>1989-07-06</a:t>
                       </a:r>
                       <a:endParaRPr lang="ru-RU" dirty="0"/>
                     </a:p>
@@ -4682,7 +4592,7 @@
                     <a:p>
                       <a:r>
                         <a:rPr lang="en-US" dirty="0"/>
-                        <a:t>1999-09-22</a:t>
+                        <a:t>1989-02-02</a:t>
                       </a:r>
                       <a:endParaRPr lang="ru-RU" dirty="0"/>
                     </a:p>
@@ -4731,7 +4641,7 @@
                     <a:p>
                       <a:r>
                         <a:rPr lang="en-US" dirty="0"/>
-                        <a:t>1982-03-25</a:t>
+                        <a:t>1982-02-17</a:t>
                       </a:r>
                       <a:endParaRPr lang="ru-RU" dirty="0"/>
                     </a:p>
@@ -4780,7 +4690,7 @@
                     <a:p>
                       <a:r>
                         <a:rPr lang="en-US" dirty="0"/>
-                        <a:t>1988-05-18</a:t>
+                        <a:t>1996-02-10</a:t>
                       </a:r>
                       <a:endParaRPr lang="ru-RU" dirty="0"/>
                     </a:p>
@@ -4829,7 +4739,7 @@
                     <a:p>
                       <a:r>
                         <a:rPr lang="en-US" dirty="0"/>
-                        <a:t>1999-02-07</a:t>
+                        <a:t>1989-07-17</a:t>
                       </a:r>
                       <a:endParaRPr lang="ru-RU" dirty="0"/>
                     </a:p>
@@ -4878,7 +4788,7 @@
                     <a:p>
                       <a:r>
                         <a:rPr lang="en-US" dirty="0"/>
-                        <a:t>1988-04-14</a:t>
+                        <a:t>1998-07-23</a:t>
                       </a:r>
                       <a:endParaRPr lang="ru-RU" dirty="0"/>
                     </a:p>
@@ -4927,7 +4837,7 @@
                     <a:p>
                       <a:r>
                         <a:rPr lang="en-US" dirty="0"/>
-                        <a:t>1991-05-18</a:t>
+                        <a:t>1994-11-20</a:t>
                       </a:r>
                       <a:endParaRPr lang="ru-RU" dirty="0"/>
                     </a:p>
@@ -4976,7 +4886,7 @@
                     <a:p>
                       <a:r>
                         <a:rPr lang="en-US" dirty="0"/>
-                        <a:t>1998-02-03</a:t>
+                        <a:t>1981-01-19</a:t>
                       </a:r>
                       <a:endParaRPr lang="ru-RU" dirty="0"/>
                     </a:p>
@@ -5025,7 +4935,7 @@
                     <a:p>
                       <a:r>
                         <a:rPr lang="en-US" dirty="0"/>
-                        <a:t>1988-07-11</a:t>
+                        <a:t>1982-11-13</a:t>
                       </a:r>
                       <a:endParaRPr lang="ru-RU" dirty="0"/>
                     </a:p>
@@ -5074,7 +4984,7 @@
                     <a:p>
                       <a:r>
                         <a:rPr lang="en-US" dirty="0"/>
-                        <a:t>1988-11-29</a:t>
+                        <a:t>1991-04-08</a:t>
                       </a:r>
                       <a:endParaRPr lang="ru-RU" dirty="0"/>
                     </a:p>
@@ -5308,7 +5218,7 @@
                     <a:p>
                       <a:r>
                         <a:rPr lang="en-US" dirty="0"/>
-                        <a:t>1981-04-12</a:t>
+                        <a:t>1986-07-30</a:t>
                       </a:r>
                       <a:endParaRPr lang="ru-RU" dirty="0"/>
                     </a:p>
@@ -5357,7 +5267,7 @@
                     <a:p>
                       <a:r>
                         <a:rPr lang="en-US" dirty="0"/>
-                        <a:t>1989-03-13</a:t>
+                        <a:t>1986-09-22</a:t>
                       </a:r>
                       <a:endParaRPr lang="ru-RU" dirty="0"/>
                     </a:p>
@@ -5406,7 +5316,7 @@
                     <a:p>
                       <a:r>
                         <a:rPr lang="en-US" dirty="0"/>
-                        <a:t>1982-03-29</a:t>
+                        <a:t>1992-03-06</a:t>
                       </a:r>
                       <a:endParaRPr lang="ru-RU" dirty="0"/>
                     </a:p>
@@ -5455,7 +5365,7 @@
                     <a:p>
                       <a:r>
                         <a:rPr lang="en-US" dirty="0"/>
-                        <a:t>1989-01-06</a:t>
+                        <a:t>1991-01-22</a:t>
                       </a:r>
                       <a:endParaRPr lang="ru-RU" dirty="0"/>
                     </a:p>
@@ -5504,301 +5414,7 @@
                     <a:p>
                       <a:r>
                         <a:rPr lang="en-US" dirty="0"/>
-                        <a:t>1991-11-21</a:t>
-                      </a:r>
-                      <a:endParaRPr lang="ru-RU" dirty="0"/>
-                    </a:p>
-                  </a:txBody>
-                  <a:tcPr/>
-                </a:tc>
-                <a:extLst>
-                  <a:ext uri="{0D108BD9-81ED-4DB2-BD59-A6C34878D82A}">
-                    <a16:rowId xmlns:a16="http://schemas.microsoft.com/office/drawing/2014/main" val="109181570"/>
-                  </a:ext>
-                </a:extLst>
-              </a:tr>
-              <a:tr h="370840">
-                <a:tc>
-                  <a:txBody>
-                    <a:bodyPr/>
-                    <a:lstStyle/>
-                    <a:p>
-                      <a:r>
-                        <a:rPr lang="en-US"/>
-                        <a:t>Employee #6</a:t>
-                      </a:r>
-                      <a:endParaRPr lang="ru-RU" dirty="0"/>
-                    </a:p>
-                  </a:txBody>
-                  <a:tcPr/>
-                </a:tc>
-                <a:tc>
-                  <a:txBody>
-                    <a:bodyPr/>
-                    <a:lstStyle/>
-                    <a:p>
-                      <a:r>
-                        <a:rPr lang="en-US" dirty="0"/>
-                        <a:t>emp6@company3.test</a:t>
-                      </a:r>
-                      <a:endParaRPr lang="ru-RU" dirty="0"/>
-                    </a:p>
-                  </a:txBody>
-                  <a:tcPr/>
-                </a:tc>
-                <a:tc>
-                  <a:txBody>
-                    <a:bodyPr/>
-                    <a:lstStyle/>
-                    <a:p>
-                      <a:r>
-                        <a:rPr lang="en-US" dirty="0"/>
-                        <a:t>1993-11-28</a:t>
-                      </a:r>
-                      <a:endParaRPr lang="ru-RU" dirty="0"/>
-                    </a:p>
-                  </a:txBody>
-                  <a:tcPr/>
-                </a:tc>
-                <a:extLst>
-                  <a:ext uri="{0D108BD9-81ED-4DB2-BD59-A6C34878D82A}">
-                    <a16:rowId xmlns:a16="http://schemas.microsoft.com/office/drawing/2014/main" val="109181570"/>
-                  </a:ext>
-                </a:extLst>
-              </a:tr>
-              <a:tr h="370840">
-                <a:tc>
-                  <a:txBody>
-                    <a:bodyPr/>
-                    <a:lstStyle/>
-                    <a:p>
-                      <a:r>
-                        <a:rPr lang="en-US"/>
-                        <a:t>Employee #7</a:t>
-                      </a:r>
-                      <a:endParaRPr lang="ru-RU" dirty="0"/>
-                    </a:p>
-                  </a:txBody>
-                  <a:tcPr/>
-                </a:tc>
-                <a:tc>
-                  <a:txBody>
-                    <a:bodyPr/>
-                    <a:lstStyle/>
-                    <a:p>
-                      <a:r>
-                        <a:rPr lang="en-US" dirty="0"/>
-                        <a:t>emp7@company3.test</a:t>
-                      </a:r>
-                      <a:endParaRPr lang="ru-RU" dirty="0"/>
-                    </a:p>
-                  </a:txBody>
-                  <a:tcPr/>
-                </a:tc>
-                <a:tc>
-                  <a:txBody>
-                    <a:bodyPr/>
-                    <a:lstStyle/>
-                    <a:p>
-                      <a:r>
-                        <a:rPr lang="en-US" dirty="0"/>
-                        <a:t>1992-08-19</a:t>
-                      </a:r>
-                      <a:endParaRPr lang="ru-RU" dirty="0"/>
-                    </a:p>
-                  </a:txBody>
-                  <a:tcPr/>
-                </a:tc>
-                <a:extLst>
-                  <a:ext uri="{0D108BD9-81ED-4DB2-BD59-A6C34878D82A}">
-                    <a16:rowId xmlns:a16="http://schemas.microsoft.com/office/drawing/2014/main" val="109181570"/>
-                  </a:ext>
-                </a:extLst>
-              </a:tr>
-              <a:tr h="370840">
-                <a:tc>
-                  <a:txBody>
-                    <a:bodyPr/>
-                    <a:lstStyle/>
-                    <a:p>
-                      <a:r>
-                        <a:rPr lang="en-US"/>
-                        <a:t>Employee #8</a:t>
-                      </a:r>
-                      <a:endParaRPr lang="ru-RU" dirty="0"/>
-                    </a:p>
-                  </a:txBody>
-                  <a:tcPr/>
-                </a:tc>
-                <a:tc>
-                  <a:txBody>
-                    <a:bodyPr/>
-                    <a:lstStyle/>
-                    <a:p>
-                      <a:r>
-                        <a:rPr lang="en-US" dirty="0"/>
-                        <a:t>emp8@company3.test</a:t>
-                      </a:r>
-                      <a:endParaRPr lang="ru-RU" dirty="0"/>
-                    </a:p>
-                  </a:txBody>
-                  <a:tcPr/>
-                </a:tc>
-                <a:tc>
-                  <a:txBody>
-                    <a:bodyPr/>
-                    <a:lstStyle/>
-                    <a:p>
-                      <a:r>
-                        <a:rPr lang="en-US" dirty="0"/>
-                        <a:t>1980-07-04</a:t>
-                      </a:r>
-                      <a:endParaRPr lang="ru-RU" dirty="0"/>
-                    </a:p>
-                  </a:txBody>
-                  <a:tcPr/>
-                </a:tc>
-                <a:extLst>
-                  <a:ext uri="{0D108BD9-81ED-4DB2-BD59-A6C34878D82A}">
-                    <a16:rowId xmlns:a16="http://schemas.microsoft.com/office/drawing/2014/main" val="109181570"/>
-                  </a:ext>
-                </a:extLst>
-              </a:tr>
-              <a:tr h="370840">
-                <a:tc>
-                  <a:txBody>
-                    <a:bodyPr/>
-                    <a:lstStyle/>
-                    <a:p>
-                      <a:r>
-                        <a:rPr lang="en-US"/>
-                        <a:t>Employee #9</a:t>
-                      </a:r>
-                      <a:endParaRPr lang="ru-RU" dirty="0"/>
-                    </a:p>
-                  </a:txBody>
-                  <a:tcPr/>
-                </a:tc>
-                <a:tc>
-                  <a:txBody>
-                    <a:bodyPr/>
-                    <a:lstStyle/>
-                    <a:p>
-                      <a:r>
-                        <a:rPr lang="en-US" dirty="0"/>
-                        <a:t>emp9@company3.test</a:t>
-                      </a:r>
-                      <a:endParaRPr lang="ru-RU" dirty="0"/>
-                    </a:p>
-                  </a:txBody>
-                  <a:tcPr/>
-                </a:tc>
-                <a:tc>
-                  <a:txBody>
-                    <a:bodyPr/>
-                    <a:lstStyle/>
-                    <a:p>
-                      <a:r>
-                        <a:rPr lang="en-US" dirty="0"/>
-                        <a:t>1998-05-07</a:t>
-                      </a:r>
-                      <a:endParaRPr lang="ru-RU" dirty="0"/>
-                    </a:p>
-                  </a:txBody>
-                  <a:tcPr/>
-                </a:tc>
-                <a:extLst>
-                  <a:ext uri="{0D108BD9-81ED-4DB2-BD59-A6C34878D82A}">
-                    <a16:rowId xmlns:a16="http://schemas.microsoft.com/office/drawing/2014/main" val="109181570"/>
-                  </a:ext>
-                </a:extLst>
-              </a:tr>
-              <a:tr h="370840">
-                <a:tc>
-                  <a:txBody>
-                    <a:bodyPr/>
-                    <a:lstStyle/>
-                    <a:p>
-                      <a:r>
-                        <a:rPr lang="en-US"/>
-                        <a:t>Employee #10</a:t>
-                      </a:r>
-                      <a:endParaRPr lang="ru-RU" dirty="0"/>
-                    </a:p>
-                  </a:txBody>
-                  <a:tcPr/>
-                </a:tc>
-                <a:tc>
-                  <a:txBody>
-                    <a:bodyPr/>
-                    <a:lstStyle/>
-                    <a:p>
-                      <a:r>
-                        <a:rPr lang="en-US" dirty="0"/>
-                        <a:t>emp10@company3.test</a:t>
-                      </a:r>
-                      <a:endParaRPr lang="ru-RU" dirty="0"/>
-                    </a:p>
-                  </a:txBody>
-                  <a:tcPr/>
-                </a:tc>
-                <a:tc>
-                  <a:txBody>
-                    <a:bodyPr/>
-                    <a:lstStyle/>
-                    <a:p>
-                      <a:r>
-                        <a:rPr lang="en-US" dirty="0"/>
-                        <a:t>1991-07-18</a:t>
-                      </a:r>
-                      <a:endParaRPr lang="ru-RU" dirty="0"/>
-                    </a:p>
-                  </a:txBody>
-                  <a:tcPr/>
-                </a:tc>
-                <a:extLst>
-                  <a:ext uri="{0D108BD9-81ED-4DB2-BD59-A6C34878D82A}">
-                    <a16:rowId xmlns:a16="http://schemas.microsoft.com/office/drawing/2014/main" val="109181570"/>
-                  </a:ext>
-                </a:extLst>
-              </a:tr>
-              <a:tr h="370840">
-                <a:tc>
-                  <a:txBody>
-                    <a:bodyPr/>
-                    <a:lstStyle/>
-                    <a:p>
-                      <a:r>
-                        <a:rPr lang="en-US"/>
-                        <a:t>Employee #11</a:t>
-                      </a:r>
-                      <a:endParaRPr lang="ru-RU" dirty="0"/>
-                    </a:p>
-                  </a:txBody>
-                  <a:tcPr/>
-                </a:tc>
-                <a:tc>
-                  <a:txBody>
-                    <a:bodyPr/>
-                    <a:lstStyle/>
-                    <a:p>
-                      <a:r>
-                        <a:rPr lang="en-US" dirty="0"/>
-                        <a:t>emp11@company3.test</a:t>
-                      </a:r>
-                      <a:endParaRPr lang="ru-RU" dirty="0"/>
-                    </a:p>
-                  </a:txBody>
-                  <a:tcPr/>
-                </a:tc>
-                <a:tc>
-                  <a:txBody>
-                    <a:bodyPr/>
-                    <a:lstStyle/>
-                    <a:p>
-                      <a:r>
-                        <a:rPr lang="en-US" dirty="0"/>
-                        <a:t>1987-02-08</a:t>
+                        <a:t>1997-10-30</a:t>
                       </a:r>
                       <a:endParaRPr lang="ru-RU" dirty="0"/>
                     </a:p>

--- a/Test/Presentations/template_result_streams.pptx
+++ b/Test/Presentations/template_result_streams.pptx
@@ -8,11 +8,11 @@
     <p:notesMasterId r:id="rId5"/>
   </p:notesMasterIdLst>
   <p:sldIdLst>
-    <p:sldId id="259" r:id="R5b9d9b45e1dc46e8"/>
-    <p:sldId id="260" r:id="R3a3b29a3e2ef45f3"/>
-    <p:sldId id="261" r:id="R3fb1feedbbb342b2"/>
-    <p:sldId id="262" r:id="R5a6eea639c4a4b66"/>
-    <p:sldId id="263" r:id="R07860322cc064d9c"/>
+    <p:sldId id="259" r:id="R54b175ea5f084469"/>
+    <p:sldId id="260" r:id="Rdb83dda09afd4cbf"/>
+    <p:sldId id="261" r:id="Ra3ac385041fb49ff"/>
+    <p:sldId id="262" r:id="R937c3b3077be4026"/>
+    <p:sldId id="263" r:id="Rb57d421a20a340ee"/>
   </p:sldIdLst>
   <p:sldSz cx="12192000" cy="6858000"/>
   <p:notesSz cx="6858000" cy="9144000"/>
@@ -3890,7 +3890,7 @@
             </a:r>
             <a:r>
               <a:rPr lang="en-US" dirty="0"/>
-              <a:t>: </a:t>
+              <a:t>: text text text</a:t>
             </a:r>
             <a:endParaRPr lang="ru-RU" dirty="0"/>
           </a:p>
@@ -4113,7 +4113,7 @@
                     <a:p>
                       <a:r>
                         <a:rPr lang="en-US" dirty="0"/>
-                        <a:t>1997-01-16</a:t>
+                        <a:t>1998-02-16</a:t>
                       </a:r>
                       <a:endParaRPr lang="ru-RU" dirty="0"/>
                     </a:p>
@@ -4162,7 +4162,7 @@
                     <a:p>
                       <a:r>
                         <a:rPr lang="en-US" dirty="0"/>
-                        <a:t>1999-07-03</a:t>
+                        <a:t>1993-08-10</a:t>
                       </a:r>
                       <a:endParaRPr lang="ru-RU" dirty="0"/>
                     </a:p>
@@ -4211,7 +4211,7 @@
                     <a:p>
                       <a:r>
                         <a:rPr lang="en-US" dirty="0"/>
-                        <a:t>1980-06-27</a:t>
+                        <a:t>1998-02-05</a:t>
                       </a:r>
                       <a:endParaRPr lang="ru-RU" dirty="0"/>
                     </a:p>
@@ -4260,7 +4260,350 @@
                     <a:p>
                       <a:r>
                         <a:rPr lang="en-US" dirty="0"/>
-                        <a:t>1997-01-14</a:t>
+                        <a:t>1980-03-06</a:t>
+                      </a:r>
+                      <a:endParaRPr lang="ru-RU" dirty="0"/>
+                    </a:p>
+                  </a:txBody>
+                  <a:tcPr/>
+                </a:tc>
+                <a:extLst>
+                  <a:ext uri="{0D108BD9-81ED-4DB2-BD59-A6C34878D82A}">
+                    <a16:rowId xmlns:a16="http://schemas.microsoft.com/office/drawing/2014/main" val="109181570"/>
+                  </a:ext>
+                </a:extLst>
+              </a:tr>
+              <a:tr h="370840">
+                <a:tc>
+                  <a:txBody>
+                    <a:bodyPr/>
+                    <a:lstStyle/>
+                    <a:p>
+                      <a:r>
+                        <a:rPr lang="en-US"/>
+                        <a:t>Employee #5</a:t>
+                      </a:r>
+                      <a:endParaRPr lang="ru-RU" dirty="0"/>
+                    </a:p>
+                  </a:txBody>
+                  <a:tcPr/>
+                </a:tc>
+                <a:tc>
+                  <a:txBody>
+                    <a:bodyPr/>
+                    <a:lstStyle/>
+                    <a:p>
+                      <a:r>
+                        <a:rPr lang="en-US" dirty="0"/>
+                        <a:t>emp5@company1.test</a:t>
+                      </a:r>
+                      <a:endParaRPr lang="ru-RU" dirty="0"/>
+                    </a:p>
+                  </a:txBody>
+                  <a:tcPr/>
+                </a:tc>
+                <a:tc>
+                  <a:txBody>
+                    <a:bodyPr/>
+                    <a:lstStyle/>
+                    <a:p>
+                      <a:r>
+                        <a:rPr lang="en-US" dirty="0"/>
+                        <a:t>1998-11-10</a:t>
+                      </a:r>
+                      <a:endParaRPr lang="ru-RU" dirty="0"/>
+                    </a:p>
+                  </a:txBody>
+                  <a:tcPr/>
+                </a:tc>
+                <a:extLst>
+                  <a:ext uri="{0D108BD9-81ED-4DB2-BD59-A6C34878D82A}">
+                    <a16:rowId xmlns:a16="http://schemas.microsoft.com/office/drawing/2014/main" val="109181570"/>
+                  </a:ext>
+                </a:extLst>
+              </a:tr>
+              <a:tr h="370840">
+                <a:tc>
+                  <a:txBody>
+                    <a:bodyPr/>
+                    <a:lstStyle/>
+                    <a:p>
+                      <a:r>
+                        <a:rPr lang="en-US"/>
+                        <a:t>Employee #6</a:t>
+                      </a:r>
+                      <a:endParaRPr lang="ru-RU" dirty="0"/>
+                    </a:p>
+                  </a:txBody>
+                  <a:tcPr/>
+                </a:tc>
+                <a:tc>
+                  <a:txBody>
+                    <a:bodyPr/>
+                    <a:lstStyle/>
+                    <a:p>
+                      <a:r>
+                        <a:rPr lang="en-US" dirty="0"/>
+                        <a:t>emp6@company1.test</a:t>
+                      </a:r>
+                      <a:endParaRPr lang="ru-RU" dirty="0"/>
+                    </a:p>
+                  </a:txBody>
+                  <a:tcPr/>
+                </a:tc>
+                <a:tc>
+                  <a:txBody>
+                    <a:bodyPr/>
+                    <a:lstStyle/>
+                    <a:p>
+                      <a:r>
+                        <a:rPr lang="en-US" dirty="0"/>
+                        <a:t>1998-07-18</a:t>
+                      </a:r>
+                      <a:endParaRPr lang="ru-RU" dirty="0"/>
+                    </a:p>
+                  </a:txBody>
+                  <a:tcPr/>
+                </a:tc>
+                <a:extLst>
+                  <a:ext uri="{0D108BD9-81ED-4DB2-BD59-A6C34878D82A}">
+                    <a16:rowId xmlns:a16="http://schemas.microsoft.com/office/drawing/2014/main" val="109181570"/>
+                  </a:ext>
+                </a:extLst>
+              </a:tr>
+              <a:tr h="370840">
+                <a:tc>
+                  <a:txBody>
+                    <a:bodyPr/>
+                    <a:lstStyle/>
+                    <a:p>
+                      <a:r>
+                        <a:rPr lang="en-US"/>
+                        <a:t>Employee #7</a:t>
+                      </a:r>
+                      <a:endParaRPr lang="ru-RU" dirty="0"/>
+                    </a:p>
+                  </a:txBody>
+                  <a:tcPr/>
+                </a:tc>
+                <a:tc>
+                  <a:txBody>
+                    <a:bodyPr/>
+                    <a:lstStyle/>
+                    <a:p>
+                      <a:r>
+                        <a:rPr lang="en-US" dirty="0"/>
+                        <a:t>emp7@company1.test</a:t>
+                      </a:r>
+                      <a:endParaRPr lang="ru-RU" dirty="0"/>
+                    </a:p>
+                  </a:txBody>
+                  <a:tcPr/>
+                </a:tc>
+                <a:tc>
+                  <a:txBody>
+                    <a:bodyPr/>
+                    <a:lstStyle/>
+                    <a:p>
+                      <a:r>
+                        <a:rPr lang="en-US" dirty="0"/>
+                        <a:t>1987-02-18</a:t>
+                      </a:r>
+                      <a:endParaRPr lang="ru-RU" dirty="0"/>
+                    </a:p>
+                  </a:txBody>
+                  <a:tcPr/>
+                </a:tc>
+                <a:extLst>
+                  <a:ext uri="{0D108BD9-81ED-4DB2-BD59-A6C34878D82A}">
+                    <a16:rowId xmlns:a16="http://schemas.microsoft.com/office/drawing/2014/main" val="109181570"/>
+                  </a:ext>
+                </a:extLst>
+              </a:tr>
+              <a:tr h="370840">
+                <a:tc>
+                  <a:txBody>
+                    <a:bodyPr/>
+                    <a:lstStyle/>
+                    <a:p>
+                      <a:r>
+                        <a:rPr lang="en-US"/>
+                        <a:t>Employee #8</a:t>
+                      </a:r>
+                      <a:endParaRPr lang="ru-RU" dirty="0"/>
+                    </a:p>
+                  </a:txBody>
+                  <a:tcPr/>
+                </a:tc>
+                <a:tc>
+                  <a:txBody>
+                    <a:bodyPr/>
+                    <a:lstStyle/>
+                    <a:p>
+                      <a:r>
+                        <a:rPr lang="en-US" dirty="0"/>
+                        <a:t>emp8@company1.test</a:t>
+                      </a:r>
+                      <a:endParaRPr lang="ru-RU" dirty="0"/>
+                    </a:p>
+                  </a:txBody>
+                  <a:tcPr/>
+                </a:tc>
+                <a:tc>
+                  <a:txBody>
+                    <a:bodyPr/>
+                    <a:lstStyle/>
+                    <a:p>
+                      <a:r>
+                        <a:rPr lang="en-US" dirty="0"/>
+                        <a:t>1991-01-26</a:t>
+                      </a:r>
+                      <a:endParaRPr lang="ru-RU" dirty="0"/>
+                    </a:p>
+                  </a:txBody>
+                  <a:tcPr/>
+                </a:tc>
+                <a:extLst>
+                  <a:ext uri="{0D108BD9-81ED-4DB2-BD59-A6C34878D82A}">
+                    <a16:rowId xmlns:a16="http://schemas.microsoft.com/office/drawing/2014/main" val="109181570"/>
+                  </a:ext>
+                </a:extLst>
+              </a:tr>
+              <a:tr h="370840">
+                <a:tc>
+                  <a:txBody>
+                    <a:bodyPr/>
+                    <a:lstStyle/>
+                    <a:p>
+                      <a:r>
+                        <a:rPr lang="en-US"/>
+                        <a:t>Employee #9</a:t>
+                      </a:r>
+                      <a:endParaRPr lang="ru-RU" dirty="0"/>
+                    </a:p>
+                  </a:txBody>
+                  <a:tcPr/>
+                </a:tc>
+                <a:tc>
+                  <a:txBody>
+                    <a:bodyPr/>
+                    <a:lstStyle/>
+                    <a:p>
+                      <a:r>
+                        <a:rPr lang="en-US" dirty="0"/>
+                        <a:t>emp9@company1.test</a:t>
+                      </a:r>
+                      <a:endParaRPr lang="ru-RU" dirty="0"/>
+                    </a:p>
+                  </a:txBody>
+                  <a:tcPr/>
+                </a:tc>
+                <a:tc>
+                  <a:txBody>
+                    <a:bodyPr/>
+                    <a:lstStyle/>
+                    <a:p>
+                      <a:r>
+                        <a:rPr lang="en-US" dirty="0"/>
+                        <a:t>1980-10-27</a:t>
+                      </a:r>
+                      <a:endParaRPr lang="ru-RU" dirty="0"/>
+                    </a:p>
+                  </a:txBody>
+                  <a:tcPr/>
+                </a:tc>
+                <a:extLst>
+                  <a:ext uri="{0D108BD9-81ED-4DB2-BD59-A6C34878D82A}">
+                    <a16:rowId xmlns:a16="http://schemas.microsoft.com/office/drawing/2014/main" val="109181570"/>
+                  </a:ext>
+                </a:extLst>
+              </a:tr>
+              <a:tr h="370840">
+                <a:tc>
+                  <a:txBody>
+                    <a:bodyPr/>
+                    <a:lstStyle/>
+                    <a:p>
+                      <a:r>
+                        <a:rPr lang="en-US"/>
+                        <a:t>Employee #10</a:t>
+                      </a:r>
+                      <a:endParaRPr lang="ru-RU" dirty="0"/>
+                    </a:p>
+                  </a:txBody>
+                  <a:tcPr/>
+                </a:tc>
+                <a:tc>
+                  <a:txBody>
+                    <a:bodyPr/>
+                    <a:lstStyle/>
+                    <a:p>
+                      <a:r>
+                        <a:rPr lang="en-US" dirty="0"/>
+                        <a:t>emp10@company1.test</a:t>
+                      </a:r>
+                      <a:endParaRPr lang="ru-RU" dirty="0"/>
+                    </a:p>
+                  </a:txBody>
+                  <a:tcPr/>
+                </a:tc>
+                <a:tc>
+                  <a:txBody>
+                    <a:bodyPr/>
+                    <a:lstStyle/>
+                    <a:p>
+                      <a:r>
+                        <a:rPr lang="en-US" dirty="0"/>
+                        <a:t>1986-07-20</a:t>
+                      </a:r>
+                      <a:endParaRPr lang="ru-RU" dirty="0"/>
+                    </a:p>
+                  </a:txBody>
+                  <a:tcPr/>
+                </a:tc>
+                <a:extLst>
+                  <a:ext uri="{0D108BD9-81ED-4DB2-BD59-A6C34878D82A}">
+                    <a16:rowId xmlns:a16="http://schemas.microsoft.com/office/drawing/2014/main" val="109181570"/>
+                  </a:ext>
+                </a:extLst>
+              </a:tr>
+              <a:tr h="370840">
+                <a:tc>
+                  <a:txBody>
+                    <a:bodyPr/>
+                    <a:lstStyle/>
+                    <a:p>
+                      <a:r>
+                        <a:rPr lang="en-US"/>
+                        <a:t>Employee #11</a:t>
+                      </a:r>
+                      <a:endParaRPr lang="ru-RU" dirty="0"/>
+                    </a:p>
+                  </a:txBody>
+                  <a:tcPr/>
+                </a:tc>
+                <a:tc>
+                  <a:txBody>
+                    <a:bodyPr/>
+                    <a:lstStyle/>
+                    <a:p>
+                      <a:r>
+                        <a:rPr lang="en-US" dirty="0"/>
+                        <a:t>emp11@company1.test</a:t>
+                      </a:r>
+                      <a:endParaRPr lang="ru-RU" dirty="0"/>
+                    </a:p>
+                  </a:txBody>
+                  <a:tcPr/>
+                </a:tc>
+                <a:tc>
+                  <a:txBody>
+                    <a:bodyPr/>
+                    <a:lstStyle/>
+                    <a:p>
+                      <a:r>
+                        <a:rPr lang="en-US" dirty="0"/>
+                        <a:t>1988-08-30</a:t>
                       </a:r>
                       <a:endParaRPr lang="ru-RU" dirty="0"/>
                     </a:p>
@@ -4494,7 +4837,7 @@
                     <a:p>
                       <a:r>
                         <a:rPr lang="en-US" dirty="0"/>
-                        <a:t>1980-03-23</a:t>
+                        <a:t>1983-02-08</a:t>
                       </a:r>
                       <a:endParaRPr lang="ru-RU" dirty="0"/>
                     </a:p>
@@ -4543,7 +4886,7 @@
                     <a:p>
                       <a:r>
                         <a:rPr lang="en-US" dirty="0"/>
-                        <a:t>1989-07-06</a:t>
+                        <a:t>1983-02-26</a:t>
                       </a:r>
                       <a:endParaRPr lang="ru-RU" dirty="0"/>
                     </a:p>
@@ -4592,7 +4935,7 @@
                     <a:p>
                       <a:r>
                         <a:rPr lang="en-US" dirty="0"/>
-                        <a:t>1989-02-02</a:t>
+                        <a:t>1983-01-04</a:t>
                       </a:r>
                       <a:endParaRPr lang="ru-RU" dirty="0"/>
                     </a:p>
@@ -4641,7 +4984,7 @@
                     <a:p>
                       <a:r>
                         <a:rPr lang="en-US" dirty="0"/>
-                        <a:t>1982-02-17</a:t>
+                        <a:t>1997-02-11</a:t>
                       </a:r>
                       <a:endParaRPr lang="ru-RU" dirty="0"/>
                     </a:p>
@@ -4690,7 +5033,7 @@
                     <a:p>
                       <a:r>
                         <a:rPr lang="en-US" dirty="0"/>
-                        <a:t>1996-02-10</a:t>
+                        <a:t>1982-05-10</a:t>
                       </a:r>
                       <a:endParaRPr lang="ru-RU" dirty="0"/>
                     </a:p>
@@ -4739,252 +5082,7 @@
                     <a:p>
                       <a:r>
                         <a:rPr lang="en-US" dirty="0"/>
-                        <a:t>1989-07-17</a:t>
-                      </a:r>
-                      <a:endParaRPr lang="ru-RU" dirty="0"/>
-                    </a:p>
-                  </a:txBody>
-                  <a:tcPr/>
-                </a:tc>
-                <a:extLst>
-                  <a:ext uri="{0D108BD9-81ED-4DB2-BD59-A6C34878D82A}">
-                    <a16:rowId xmlns:a16="http://schemas.microsoft.com/office/drawing/2014/main" val="109181570"/>
-                  </a:ext>
-                </a:extLst>
-              </a:tr>
-              <a:tr h="370840">
-                <a:tc>
-                  <a:txBody>
-                    <a:bodyPr/>
-                    <a:lstStyle/>
-                    <a:p>
-                      <a:r>
-                        <a:rPr lang="en-US"/>
-                        <a:t>Employee #7</a:t>
-                      </a:r>
-                      <a:endParaRPr lang="ru-RU" dirty="0"/>
-                    </a:p>
-                  </a:txBody>
-                  <a:tcPr/>
-                </a:tc>
-                <a:tc>
-                  <a:txBody>
-                    <a:bodyPr/>
-                    <a:lstStyle/>
-                    <a:p>
-                      <a:r>
-                        <a:rPr lang="en-US" dirty="0"/>
-                        <a:t>emp7@company2.test</a:t>
-                      </a:r>
-                      <a:endParaRPr lang="ru-RU" dirty="0"/>
-                    </a:p>
-                  </a:txBody>
-                  <a:tcPr/>
-                </a:tc>
-                <a:tc>
-                  <a:txBody>
-                    <a:bodyPr/>
-                    <a:lstStyle/>
-                    <a:p>
-                      <a:r>
-                        <a:rPr lang="en-US" dirty="0"/>
-                        <a:t>1998-07-23</a:t>
-                      </a:r>
-                      <a:endParaRPr lang="ru-RU" dirty="0"/>
-                    </a:p>
-                  </a:txBody>
-                  <a:tcPr/>
-                </a:tc>
-                <a:extLst>
-                  <a:ext uri="{0D108BD9-81ED-4DB2-BD59-A6C34878D82A}">
-                    <a16:rowId xmlns:a16="http://schemas.microsoft.com/office/drawing/2014/main" val="109181570"/>
-                  </a:ext>
-                </a:extLst>
-              </a:tr>
-              <a:tr h="370840">
-                <a:tc>
-                  <a:txBody>
-                    <a:bodyPr/>
-                    <a:lstStyle/>
-                    <a:p>
-                      <a:r>
-                        <a:rPr lang="en-US"/>
-                        <a:t>Employee #8</a:t>
-                      </a:r>
-                      <a:endParaRPr lang="ru-RU" dirty="0"/>
-                    </a:p>
-                  </a:txBody>
-                  <a:tcPr/>
-                </a:tc>
-                <a:tc>
-                  <a:txBody>
-                    <a:bodyPr/>
-                    <a:lstStyle/>
-                    <a:p>
-                      <a:r>
-                        <a:rPr lang="en-US" dirty="0"/>
-                        <a:t>emp8@company2.test</a:t>
-                      </a:r>
-                      <a:endParaRPr lang="ru-RU" dirty="0"/>
-                    </a:p>
-                  </a:txBody>
-                  <a:tcPr/>
-                </a:tc>
-                <a:tc>
-                  <a:txBody>
-                    <a:bodyPr/>
-                    <a:lstStyle/>
-                    <a:p>
-                      <a:r>
-                        <a:rPr lang="en-US" dirty="0"/>
-                        <a:t>1994-11-20</a:t>
-                      </a:r>
-                      <a:endParaRPr lang="ru-RU" dirty="0"/>
-                    </a:p>
-                  </a:txBody>
-                  <a:tcPr/>
-                </a:tc>
-                <a:extLst>
-                  <a:ext uri="{0D108BD9-81ED-4DB2-BD59-A6C34878D82A}">
-                    <a16:rowId xmlns:a16="http://schemas.microsoft.com/office/drawing/2014/main" val="109181570"/>
-                  </a:ext>
-                </a:extLst>
-              </a:tr>
-              <a:tr h="370840">
-                <a:tc>
-                  <a:txBody>
-                    <a:bodyPr/>
-                    <a:lstStyle/>
-                    <a:p>
-                      <a:r>
-                        <a:rPr lang="en-US"/>
-                        <a:t>Employee #9</a:t>
-                      </a:r>
-                      <a:endParaRPr lang="ru-RU" dirty="0"/>
-                    </a:p>
-                  </a:txBody>
-                  <a:tcPr/>
-                </a:tc>
-                <a:tc>
-                  <a:txBody>
-                    <a:bodyPr/>
-                    <a:lstStyle/>
-                    <a:p>
-                      <a:r>
-                        <a:rPr lang="en-US" dirty="0"/>
-                        <a:t>emp9@company2.test</a:t>
-                      </a:r>
-                      <a:endParaRPr lang="ru-RU" dirty="0"/>
-                    </a:p>
-                  </a:txBody>
-                  <a:tcPr/>
-                </a:tc>
-                <a:tc>
-                  <a:txBody>
-                    <a:bodyPr/>
-                    <a:lstStyle/>
-                    <a:p>
-                      <a:r>
-                        <a:rPr lang="en-US" dirty="0"/>
-                        <a:t>1981-01-19</a:t>
-                      </a:r>
-                      <a:endParaRPr lang="ru-RU" dirty="0"/>
-                    </a:p>
-                  </a:txBody>
-                  <a:tcPr/>
-                </a:tc>
-                <a:extLst>
-                  <a:ext uri="{0D108BD9-81ED-4DB2-BD59-A6C34878D82A}">
-                    <a16:rowId xmlns:a16="http://schemas.microsoft.com/office/drawing/2014/main" val="109181570"/>
-                  </a:ext>
-                </a:extLst>
-              </a:tr>
-              <a:tr h="370840">
-                <a:tc>
-                  <a:txBody>
-                    <a:bodyPr/>
-                    <a:lstStyle/>
-                    <a:p>
-                      <a:r>
-                        <a:rPr lang="en-US"/>
-                        <a:t>Employee #10</a:t>
-                      </a:r>
-                      <a:endParaRPr lang="ru-RU" dirty="0"/>
-                    </a:p>
-                  </a:txBody>
-                  <a:tcPr/>
-                </a:tc>
-                <a:tc>
-                  <a:txBody>
-                    <a:bodyPr/>
-                    <a:lstStyle/>
-                    <a:p>
-                      <a:r>
-                        <a:rPr lang="en-US" dirty="0"/>
-                        <a:t>emp10@company2.test</a:t>
-                      </a:r>
-                      <a:endParaRPr lang="ru-RU" dirty="0"/>
-                    </a:p>
-                  </a:txBody>
-                  <a:tcPr/>
-                </a:tc>
-                <a:tc>
-                  <a:txBody>
-                    <a:bodyPr/>
-                    <a:lstStyle/>
-                    <a:p>
-                      <a:r>
-                        <a:rPr lang="en-US" dirty="0"/>
-                        <a:t>1982-11-13</a:t>
-                      </a:r>
-                      <a:endParaRPr lang="ru-RU" dirty="0"/>
-                    </a:p>
-                  </a:txBody>
-                  <a:tcPr/>
-                </a:tc>
-                <a:extLst>
-                  <a:ext uri="{0D108BD9-81ED-4DB2-BD59-A6C34878D82A}">
-                    <a16:rowId xmlns:a16="http://schemas.microsoft.com/office/drawing/2014/main" val="109181570"/>
-                  </a:ext>
-                </a:extLst>
-              </a:tr>
-              <a:tr h="370840">
-                <a:tc>
-                  <a:txBody>
-                    <a:bodyPr/>
-                    <a:lstStyle/>
-                    <a:p>
-                      <a:r>
-                        <a:rPr lang="en-US"/>
-                        <a:t>Employee #11</a:t>
-                      </a:r>
-                      <a:endParaRPr lang="ru-RU" dirty="0"/>
-                    </a:p>
-                  </a:txBody>
-                  <a:tcPr/>
-                </a:tc>
-                <a:tc>
-                  <a:txBody>
-                    <a:bodyPr/>
-                    <a:lstStyle/>
-                    <a:p>
-                      <a:r>
-                        <a:rPr lang="en-US" dirty="0"/>
-                        <a:t>emp11@company2.test</a:t>
-                      </a:r>
-                      <a:endParaRPr lang="ru-RU" dirty="0"/>
-                    </a:p>
-                  </a:txBody>
-                  <a:tcPr/>
-                </a:tc>
-                <a:tc>
-                  <a:txBody>
-                    <a:bodyPr/>
-                    <a:lstStyle/>
-                    <a:p>
-                      <a:r>
-                        <a:rPr lang="en-US" dirty="0"/>
-                        <a:t>1991-04-08</a:t>
+                        <a:t>1981-09-10</a:t>
                       </a:r>
                       <a:endParaRPr lang="ru-RU" dirty="0"/>
                     </a:p>
@@ -5218,7 +5316,7 @@
                     <a:p>
                       <a:r>
                         <a:rPr lang="en-US" dirty="0"/>
-                        <a:t>1986-07-30</a:t>
+                        <a:t>1985-09-16</a:t>
                       </a:r>
                       <a:endParaRPr lang="ru-RU" dirty="0"/>
                     </a:p>
@@ -5267,7 +5365,7 @@
                     <a:p>
                       <a:r>
                         <a:rPr lang="en-US" dirty="0"/>
-                        <a:t>1986-09-22</a:t>
+                        <a:t>1995-09-08</a:t>
                       </a:r>
                       <a:endParaRPr lang="ru-RU" dirty="0"/>
                     </a:p>
@@ -5316,7 +5414,7 @@
                     <a:p>
                       <a:r>
                         <a:rPr lang="en-US" dirty="0"/>
-                        <a:t>1992-03-06</a:t>
+                        <a:t>1987-10-10</a:t>
                       </a:r>
                       <a:endParaRPr lang="ru-RU" dirty="0"/>
                     </a:p>
@@ -5365,56 +5463,7 @@
                     <a:p>
                       <a:r>
                         <a:rPr lang="en-US" dirty="0"/>
-                        <a:t>1991-01-22</a:t>
-                      </a:r>
-                      <a:endParaRPr lang="ru-RU" dirty="0"/>
-                    </a:p>
-                  </a:txBody>
-                  <a:tcPr/>
-                </a:tc>
-                <a:extLst>
-                  <a:ext uri="{0D108BD9-81ED-4DB2-BD59-A6C34878D82A}">
-                    <a16:rowId xmlns:a16="http://schemas.microsoft.com/office/drawing/2014/main" val="109181570"/>
-                  </a:ext>
-                </a:extLst>
-              </a:tr>
-              <a:tr h="370840">
-                <a:tc>
-                  <a:txBody>
-                    <a:bodyPr/>
-                    <a:lstStyle/>
-                    <a:p>
-                      <a:r>
-                        <a:rPr lang="en-US"/>
-                        <a:t>Employee #5</a:t>
-                      </a:r>
-                      <a:endParaRPr lang="ru-RU" dirty="0"/>
-                    </a:p>
-                  </a:txBody>
-                  <a:tcPr/>
-                </a:tc>
-                <a:tc>
-                  <a:txBody>
-                    <a:bodyPr/>
-                    <a:lstStyle/>
-                    <a:p>
-                      <a:r>
-                        <a:rPr lang="en-US" dirty="0"/>
-                        <a:t>emp5@company3.test</a:t>
-                      </a:r>
-                      <a:endParaRPr lang="ru-RU" dirty="0"/>
-                    </a:p>
-                  </a:txBody>
-                  <a:tcPr/>
-                </a:tc>
-                <a:tc>
-                  <a:txBody>
-                    <a:bodyPr/>
-                    <a:lstStyle/>
-                    <a:p>
-                      <a:r>
-                        <a:rPr lang="en-US" dirty="0"/>
-                        <a:t>1997-10-30</a:t>
+                        <a:t>1987-02-02</a:t>
                       </a:r>
                       <a:endParaRPr lang="ru-RU" dirty="0"/>
                     </a:p>

--- a/Test/Presentations/template_result_streams.pptx
+++ b/Test/Presentations/template_result_streams.pptx
@@ -8,11 +8,11 @@
     <p:notesMasterId r:id="rId5"/>
   </p:notesMasterIdLst>
   <p:sldIdLst>
-    <p:sldId id="259" r:id="R54b175ea5f084469"/>
-    <p:sldId id="260" r:id="Rdb83dda09afd4cbf"/>
-    <p:sldId id="261" r:id="Ra3ac385041fb49ff"/>
-    <p:sldId id="262" r:id="R937c3b3077be4026"/>
-    <p:sldId id="263" r:id="Rb57d421a20a340ee"/>
+    <p:sldId id="259" r:id="R0ba7a2b181754859"/>
+    <p:sldId id="260" r:id="R0819b2c7c8de4eea"/>
+    <p:sldId id="261" r:id="Rb47f987a0f164525"/>
+    <p:sldId id="262" r:id="R106eefdf531044e8"/>
+    <p:sldId id="263" r:id="Rcfad7385d216498c"/>
   </p:sldIdLst>
   <p:sldSz cx="12192000" cy="6858000"/>
   <p:notesSz cx="6858000" cy="9144000"/>
@@ -204,7 +204,7 @@
           <a:p>
             <a:fld id="{96129386-331A-4479-A604-9D03FC98566D}" type="datetimeFigureOut">
               <a:rPr lang="ru-RU" smtClean="0"/>
-              <a:t>24.09.2024</a:t>
+              <a:t>27.09.2024</a:t>
             </a:fld>
             <a:endParaRPr lang="ru-RU"/>
           </a:p>
@@ -618,7 +618,7 @@
           <a:p>
             <a:fld id="{60333C80-F893-47D7-9906-1E3D3180BB29}" type="datetimeFigureOut">
               <a:rPr lang="ru-RU" smtClean="0"/>
-              <a:t>24.09.2024</a:t>
+              <a:t>27.09.2024</a:t>
             </a:fld>
             <a:endParaRPr lang="ru-RU"/>
           </a:p>
@@ -816,7 +816,7 @@
           <a:p>
             <a:fld id="{60333C80-F893-47D7-9906-1E3D3180BB29}" type="datetimeFigureOut">
               <a:rPr lang="ru-RU" smtClean="0"/>
-              <a:t>24.09.2024</a:t>
+              <a:t>27.09.2024</a:t>
             </a:fld>
             <a:endParaRPr lang="ru-RU"/>
           </a:p>
@@ -1024,7 +1024,7 @@
           <a:p>
             <a:fld id="{60333C80-F893-47D7-9906-1E3D3180BB29}" type="datetimeFigureOut">
               <a:rPr lang="ru-RU" smtClean="0"/>
-              <a:t>24.09.2024</a:t>
+              <a:t>27.09.2024</a:t>
             </a:fld>
             <a:endParaRPr lang="ru-RU"/>
           </a:p>
@@ -1222,7 +1222,7 @@
           <a:p>
             <a:fld id="{60333C80-F893-47D7-9906-1E3D3180BB29}" type="datetimeFigureOut">
               <a:rPr lang="ru-RU" smtClean="0"/>
-              <a:t>24.09.2024</a:t>
+              <a:t>27.09.2024</a:t>
             </a:fld>
             <a:endParaRPr lang="ru-RU"/>
           </a:p>
@@ -1497,7 +1497,7 @@
           <a:p>
             <a:fld id="{60333C80-F893-47D7-9906-1E3D3180BB29}" type="datetimeFigureOut">
               <a:rPr lang="ru-RU" smtClean="0"/>
-              <a:t>24.09.2024</a:t>
+              <a:t>27.09.2024</a:t>
             </a:fld>
             <a:endParaRPr lang="ru-RU"/>
           </a:p>
@@ -1762,7 +1762,7 @@
           <a:p>
             <a:fld id="{60333C80-F893-47D7-9906-1E3D3180BB29}" type="datetimeFigureOut">
               <a:rPr lang="ru-RU" smtClean="0"/>
-              <a:t>24.09.2024</a:t>
+              <a:t>27.09.2024</a:t>
             </a:fld>
             <a:endParaRPr lang="ru-RU"/>
           </a:p>
@@ -2174,7 +2174,7 @@
           <a:p>
             <a:fld id="{60333C80-F893-47D7-9906-1E3D3180BB29}" type="datetimeFigureOut">
               <a:rPr lang="ru-RU" smtClean="0"/>
-              <a:t>24.09.2024</a:t>
+              <a:t>27.09.2024</a:t>
             </a:fld>
             <a:endParaRPr lang="ru-RU"/>
           </a:p>
@@ -2315,7 +2315,7 @@
           <a:p>
             <a:fld id="{60333C80-F893-47D7-9906-1E3D3180BB29}" type="datetimeFigureOut">
               <a:rPr lang="ru-RU" smtClean="0"/>
-              <a:t>24.09.2024</a:t>
+              <a:t>27.09.2024</a:t>
             </a:fld>
             <a:endParaRPr lang="ru-RU"/>
           </a:p>
@@ -2428,7 +2428,7 @@
           <a:p>
             <a:fld id="{60333C80-F893-47D7-9906-1E3D3180BB29}" type="datetimeFigureOut">
               <a:rPr lang="ru-RU" smtClean="0"/>
-              <a:t>24.09.2024</a:t>
+              <a:t>27.09.2024</a:t>
             </a:fld>
             <a:endParaRPr lang="ru-RU"/>
           </a:p>
@@ -2739,7 +2739,7 @@
           <a:p>
             <a:fld id="{60333C80-F893-47D7-9906-1E3D3180BB29}" type="datetimeFigureOut">
               <a:rPr lang="ru-RU" smtClean="0"/>
-              <a:t>24.09.2024</a:t>
+              <a:t>27.09.2024</a:t>
             </a:fld>
             <a:endParaRPr lang="ru-RU"/>
           </a:p>
@@ -3027,7 +3027,7 @@
           <a:p>
             <a:fld id="{60333C80-F893-47D7-9906-1E3D3180BB29}" type="datetimeFigureOut">
               <a:rPr lang="ru-RU" smtClean="0"/>
-              <a:t>24.09.2024</a:t>
+              <a:t>27.09.2024</a:t>
             </a:fld>
             <a:endParaRPr lang="ru-RU"/>
           </a:p>
@@ -3268,7 +3268,7 @@
           <a:p>
             <a:fld id="{60333C80-F893-47D7-9906-1E3D3180BB29}" type="datetimeFigureOut">
               <a:rPr lang="ru-RU" smtClean="0"/>
-              <a:t>24.09.2024</a:t>
+              <a:t>27.09.2024</a:t>
             </a:fld>
             <a:endParaRPr lang="ru-RU"/>
           </a:p>
@@ -3669,7 +3669,7 @@
 </file>
 
 <file path=ppt/slides/slide4.xml><?xml version="1.0" encoding="utf-8"?>
-<p:sld xmlns:a16="http://schemas.microsoft.com/office/drawing/2014/main" xmlns:p14="http://schemas.microsoft.com/office/powerpoint/2010/main" xmlns:a="http://schemas.openxmlformats.org/drawingml/2006/main" xmlns:r="http://schemas.openxmlformats.org/officeDocument/2006/relationships" xmlns:p="http://schemas.openxmlformats.org/presentationml/2006/main">
+<p:sld xmlns:a16="http://schemas.microsoft.com/office/drawing/2014/main" xmlns:p14="http://schemas.microsoft.com/office/powerpoint/2010/main" xmlns:mc="http://schemas.openxmlformats.org/markup-compatibility/2006" xmlns:v="urn:schemas-microsoft-com:vml" xmlns:a="http://schemas.openxmlformats.org/drawingml/2006/main" xmlns:r="http://schemas.openxmlformats.org/officeDocument/2006/relationships" xmlns:p="http://schemas.openxmlformats.org/presentationml/2006/main">
   <p:cSld>
     <p:spTree>
       <p:nvGrpSpPr>
@@ -3744,7 +3744,7 @@
                   </a:schemeClr>
                 </a:solidFill>
               </a:rPr>
-              <a:t>Date: 25.09.2024</a:t>
+              <a:t>Date: 27.09.2024</a:t>
             </a:r>
             <a:endParaRPr lang="ru-RU" dirty="0">
               <a:solidFill>
@@ -3757,6 +3757,64 @@
           </a:p>
         </p:txBody>
       </p:sp>
+      <p:graphicFrame>
+        <p:nvGraphicFramePr>
+          <p:cNvPr id="4" name="Объект 3">
+            <a:extLst>
+              <a:ext uri="{FF2B5EF4-FFF2-40B4-BE49-F238E27FC236}">
+                <a16:creationId xmlns:a16="http://schemas.microsoft.com/office/drawing/2014/main" id="{AF764765-9F42-82E8-66C4-5CD2B02ACAF3}"/>
+              </a:ext>
+            </a:extLst>
+          </p:cNvPr>
+          <p:cNvGraphicFramePr>
+            <a:graphicFrameLocks noChangeAspect="1"/>
+          </p:cNvGraphicFramePr>
+          <p:nvPr>
+            <p:extLst>
+              <p:ext uri="{D42A27DB-BD31-4B8C-83A1-F6EECF244321}">
+                <p14:modId xmlns:p14="http://schemas.microsoft.com/office/powerpoint/2010/main" val="3660598938"/>
+              </p:ext>
+            </p:extLst>
+          </p:nvPr>
+        </p:nvGraphicFramePr>
+        <p:xfrm>
+          <a:off x="2032000" y="719138"/>
+          <a:ext cx="8128000" cy="5418137"/>
+        </p:xfrm>
+        <a:graphic>
+          <a:graphicData uri="http://schemas.openxmlformats.org/presentationml/2006/ole">
+            <mc:AlternateContent xmlns:mc="http://schemas.openxmlformats.org/markup-compatibility/2006">
+              <mc:Choice xmlns:v="urn:schemas-microsoft-com:vml" Requires="v">
+                <p:oleObj name="Точечный рисунок" r:id="rId2" imgW="0" imgH="0" progId="Paint.Picture">
+                  <p:embed/>
+                </p:oleObj>
+              </mc:Choice>
+              <mc:Fallback>
+                <p:oleObj name="Точечный рисунок" r:id="rId2" imgW="0" imgH="0" progId="Paint.Picture">
+                  <p:embed/>
+                  <p:pic>
+                    <p:nvPicPr>
+                      <p:cNvPr id="0" name=""/>
+                      <p:cNvPicPr/>
+                      <p:nvPr/>
+                    </p:nvPicPr>
+                    <p:blipFill/>
+                    <p:spPr>
+                      <a:xfrm>
+                        <a:off x="2032000" y="719138"/>
+                        <a:ext cx="8128000" cy="5418137"/>
+                      </a:xfrm>
+                      <a:prstGeom prst="rect">
+                        <a:avLst/>
+                      </a:prstGeom>
+                    </p:spPr>
+                  </p:pic>
+                </p:oleObj>
+              </mc:Fallback>
+            </mc:AlternateContent>
+          </a:graphicData>
+        </a:graphic>
+      </p:graphicFrame>
     </p:spTree>
     <p:extLst>
       <p:ext uri="{BB962C8B-B14F-4D97-AF65-F5344CB8AC3E}">
@@ -3824,7 +3882,7 @@
                   </a:schemeClr>
                 </a:solidFill>
               </a:rPr>
-              <a:t>25 September 2024</a:t>
+              <a:t>27 September 2024</a:t>
             </a:r>
             <a:endParaRPr lang="ru-RU" sz="2000" dirty="0"/>
           </a:p>
@@ -3848,51 +3906,91 @@
         </p:nvSpPr>
         <p:spPr/>
         <p:txBody>
-          <a:bodyPr/>
+          <a:bodyPr>
+            <a:normAutofit/>
+          </a:bodyPr>
           <a:lstStyle/>
           <a:p>
             <a:r>
-              <a:rPr lang="en-US" dirty="0"/>
+              <a:rPr lang="en-US" sz="2000" dirty="0"/>
               <a:t>Username: TestName</a:t>
             </a:r>
           </a:p>
           <a:p>
             <a:r>
-              <a:rPr lang="en-US" dirty="0"/>
+              <a:rPr lang="en-US" sz="2000" dirty="0"/>
               <a:t>IsActive: Yes</a:t>
             </a:r>
           </a:p>
           <a:p>
             <a:r>
-              <a:rPr lang="en-US" dirty="0"/>
-              <a:t>Evaluation: 1,000,000.00</a:t>
-            </a:r>
-          </a:p>
-          <a:p>
-            <a:r>
-              <a:rPr lang="en-US" dirty="0"/>
-              <a:t>Items: item#1, item#2, item#3, item#4, item#5</a:t>
-            </a:r>
-          </a:p>
-          <a:p>
-            <a:r>
-              <a:rPr lang="en-US" dirty="0">
+              <a:rPr lang="en-US" sz="2000" dirty="0"/>
+              <a:t>Evaluation: 1,000,000.123</a:t>
+            </a:r>
+          </a:p>
+          <a:p>
+            <a:r>
+              <a:rPr lang="en-US" sz="2000" dirty="0"/>
+              <a:t>Link: </a:t>
+            </a:r>
+            <a:r>
+              <a:rPr lang="en-US" sz="2000" dirty="0">
                 <a:hlinkClick r:id="rId3"/>
               </a:rPr>
               <a:t>TestLink</a:t>
             </a:r>
-            <a:endParaRPr lang="en-US" dirty="0"/>
-          </a:p>
-          <a:p>
-            <a:r>
-              <a:rPr lang="en-US" dirty="0" err="1"/>
+            <a:endParaRPr lang="en-US" sz="2000" dirty="0"/>
+          </a:p>
+          <a:p>
+            <a:r>
+              <a:rPr lang="en-US" sz="2000" dirty="0" err="1"/>
               <a:t>HtmlAsText</a:t>
             </a:r>
             <a:r>
-              <a:rPr lang="en-US" dirty="0"/>
+              <a:rPr lang="en-US" sz="2000" dirty="0"/>
               <a:t>: text text text</a:t>
             </a:r>
-            <a:endParaRPr lang="ru-RU" dirty="0"/>
+          </a:p>
+          <a:p>
+            <a:r>
+              <a:rPr lang="en-US" sz="2000" dirty="0" err="1"/>
+              <a:t>ArrayItem</a:t>
+            </a:r>
+            <a:r>
+              <a:rPr lang="en-US" sz="2000" dirty="0"/>
+              <a:t>: item#2</a:t>
+            </a:r>
+          </a:p>
+          <a:p>
+            <a:r>
+              <a:rPr lang="en-US" sz="2000" dirty="0" err="1"/>
+              <a:t>DictionaryValue</a:t>
+            </a:r>
+            <a:r>
+              <a:rPr lang="en-US" sz="2000" dirty="0"/>
+              <a:t>: 100</a:t>
+            </a:r>
+          </a:p>
+          <a:p>
+            <a:r>
+              <a:rPr lang="en-US" sz="2000" dirty="0"/>
+              <a:t>Items: </a:t>
+            </a:r>
+          </a:p>
+          <a:p>
+            <a:pPr marL="914400" lvl="1" indent="-457200">
+              <a:buFont typeface="+mj-lt"/>
+              <a:buAutoNum type="arabicPeriod"/>
+            </a:pPr>
+            <a:r>
+              <a:rPr lang="en-US" sz="2000" dirty="0"/>
+              <a:t>item#1, 
+item#2, 
+item#3</a:t>
+            </a:r>
+          </a:p>
+          <a:p>
+            <a:endParaRPr lang="ru-RU" sz="2000" dirty="0"/>
           </a:p>
         </p:txBody>
       </p:sp>
@@ -4113,7 +4211,7 @@
                     <a:p>
                       <a:r>
                         <a:rPr lang="en-US" dirty="0"/>
-                        <a:t>1998-02-16</a:t>
+                        <a:t>1993-02-22</a:t>
                       </a:r>
                       <a:endParaRPr lang="ru-RU" dirty="0"/>
                     </a:p>
@@ -4162,7 +4260,7 @@
                     <a:p>
                       <a:r>
                         <a:rPr lang="en-US" dirty="0"/>
-                        <a:t>1993-08-10</a:t>
+                        <a:t>1996-04-19</a:t>
                       </a:r>
                       <a:endParaRPr lang="ru-RU" dirty="0"/>
                     </a:p>
@@ -4211,7 +4309,7 @@
                     <a:p>
                       <a:r>
                         <a:rPr lang="en-US" dirty="0"/>
-                        <a:t>1998-02-05</a:t>
+                        <a:t>1984-03-22</a:t>
                       </a:r>
                       <a:endParaRPr lang="ru-RU" dirty="0"/>
                     </a:p>
@@ -4260,7 +4358,7 @@
                     <a:p>
                       <a:r>
                         <a:rPr lang="en-US" dirty="0"/>
-                        <a:t>1980-03-06</a:t>
+                        <a:t>1987-08-08</a:t>
                       </a:r>
                       <a:endParaRPr lang="ru-RU" dirty="0"/>
                     </a:p>
@@ -4309,301 +4407,7 @@
                     <a:p>
                       <a:r>
                         <a:rPr lang="en-US" dirty="0"/>
-                        <a:t>1998-11-10</a:t>
-                      </a:r>
-                      <a:endParaRPr lang="ru-RU" dirty="0"/>
-                    </a:p>
-                  </a:txBody>
-                  <a:tcPr/>
-                </a:tc>
-                <a:extLst>
-                  <a:ext uri="{0D108BD9-81ED-4DB2-BD59-A6C34878D82A}">
-                    <a16:rowId xmlns:a16="http://schemas.microsoft.com/office/drawing/2014/main" val="109181570"/>
-                  </a:ext>
-                </a:extLst>
-              </a:tr>
-              <a:tr h="370840">
-                <a:tc>
-                  <a:txBody>
-                    <a:bodyPr/>
-                    <a:lstStyle/>
-                    <a:p>
-                      <a:r>
-                        <a:rPr lang="en-US"/>
-                        <a:t>Employee #6</a:t>
-                      </a:r>
-                      <a:endParaRPr lang="ru-RU" dirty="0"/>
-                    </a:p>
-                  </a:txBody>
-                  <a:tcPr/>
-                </a:tc>
-                <a:tc>
-                  <a:txBody>
-                    <a:bodyPr/>
-                    <a:lstStyle/>
-                    <a:p>
-                      <a:r>
-                        <a:rPr lang="en-US" dirty="0"/>
-                        <a:t>emp6@company1.test</a:t>
-                      </a:r>
-                      <a:endParaRPr lang="ru-RU" dirty="0"/>
-                    </a:p>
-                  </a:txBody>
-                  <a:tcPr/>
-                </a:tc>
-                <a:tc>
-                  <a:txBody>
-                    <a:bodyPr/>
-                    <a:lstStyle/>
-                    <a:p>
-                      <a:r>
-                        <a:rPr lang="en-US" dirty="0"/>
-                        <a:t>1998-07-18</a:t>
-                      </a:r>
-                      <a:endParaRPr lang="ru-RU" dirty="0"/>
-                    </a:p>
-                  </a:txBody>
-                  <a:tcPr/>
-                </a:tc>
-                <a:extLst>
-                  <a:ext uri="{0D108BD9-81ED-4DB2-BD59-A6C34878D82A}">
-                    <a16:rowId xmlns:a16="http://schemas.microsoft.com/office/drawing/2014/main" val="109181570"/>
-                  </a:ext>
-                </a:extLst>
-              </a:tr>
-              <a:tr h="370840">
-                <a:tc>
-                  <a:txBody>
-                    <a:bodyPr/>
-                    <a:lstStyle/>
-                    <a:p>
-                      <a:r>
-                        <a:rPr lang="en-US"/>
-                        <a:t>Employee #7</a:t>
-                      </a:r>
-                      <a:endParaRPr lang="ru-RU" dirty="0"/>
-                    </a:p>
-                  </a:txBody>
-                  <a:tcPr/>
-                </a:tc>
-                <a:tc>
-                  <a:txBody>
-                    <a:bodyPr/>
-                    <a:lstStyle/>
-                    <a:p>
-                      <a:r>
-                        <a:rPr lang="en-US" dirty="0"/>
-                        <a:t>emp7@company1.test</a:t>
-                      </a:r>
-                      <a:endParaRPr lang="ru-RU" dirty="0"/>
-                    </a:p>
-                  </a:txBody>
-                  <a:tcPr/>
-                </a:tc>
-                <a:tc>
-                  <a:txBody>
-                    <a:bodyPr/>
-                    <a:lstStyle/>
-                    <a:p>
-                      <a:r>
-                        <a:rPr lang="en-US" dirty="0"/>
-                        <a:t>1987-02-18</a:t>
-                      </a:r>
-                      <a:endParaRPr lang="ru-RU" dirty="0"/>
-                    </a:p>
-                  </a:txBody>
-                  <a:tcPr/>
-                </a:tc>
-                <a:extLst>
-                  <a:ext uri="{0D108BD9-81ED-4DB2-BD59-A6C34878D82A}">
-                    <a16:rowId xmlns:a16="http://schemas.microsoft.com/office/drawing/2014/main" val="109181570"/>
-                  </a:ext>
-                </a:extLst>
-              </a:tr>
-              <a:tr h="370840">
-                <a:tc>
-                  <a:txBody>
-                    <a:bodyPr/>
-                    <a:lstStyle/>
-                    <a:p>
-                      <a:r>
-                        <a:rPr lang="en-US"/>
-                        <a:t>Employee #8</a:t>
-                      </a:r>
-                      <a:endParaRPr lang="ru-RU" dirty="0"/>
-                    </a:p>
-                  </a:txBody>
-                  <a:tcPr/>
-                </a:tc>
-                <a:tc>
-                  <a:txBody>
-                    <a:bodyPr/>
-                    <a:lstStyle/>
-                    <a:p>
-                      <a:r>
-                        <a:rPr lang="en-US" dirty="0"/>
-                        <a:t>emp8@company1.test</a:t>
-                      </a:r>
-                      <a:endParaRPr lang="ru-RU" dirty="0"/>
-                    </a:p>
-                  </a:txBody>
-                  <a:tcPr/>
-                </a:tc>
-                <a:tc>
-                  <a:txBody>
-                    <a:bodyPr/>
-                    <a:lstStyle/>
-                    <a:p>
-                      <a:r>
-                        <a:rPr lang="en-US" dirty="0"/>
-                        <a:t>1991-01-26</a:t>
-                      </a:r>
-                      <a:endParaRPr lang="ru-RU" dirty="0"/>
-                    </a:p>
-                  </a:txBody>
-                  <a:tcPr/>
-                </a:tc>
-                <a:extLst>
-                  <a:ext uri="{0D108BD9-81ED-4DB2-BD59-A6C34878D82A}">
-                    <a16:rowId xmlns:a16="http://schemas.microsoft.com/office/drawing/2014/main" val="109181570"/>
-                  </a:ext>
-                </a:extLst>
-              </a:tr>
-              <a:tr h="370840">
-                <a:tc>
-                  <a:txBody>
-                    <a:bodyPr/>
-                    <a:lstStyle/>
-                    <a:p>
-                      <a:r>
-                        <a:rPr lang="en-US"/>
-                        <a:t>Employee #9</a:t>
-                      </a:r>
-                      <a:endParaRPr lang="ru-RU" dirty="0"/>
-                    </a:p>
-                  </a:txBody>
-                  <a:tcPr/>
-                </a:tc>
-                <a:tc>
-                  <a:txBody>
-                    <a:bodyPr/>
-                    <a:lstStyle/>
-                    <a:p>
-                      <a:r>
-                        <a:rPr lang="en-US" dirty="0"/>
-                        <a:t>emp9@company1.test</a:t>
-                      </a:r>
-                      <a:endParaRPr lang="ru-RU" dirty="0"/>
-                    </a:p>
-                  </a:txBody>
-                  <a:tcPr/>
-                </a:tc>
-                <a:tc>
-                  <a:txBody>
-                    <a:bodyPr/>
-                    <a:lstStyle/>
-                    <a:p>
-                      <a:r>
-                        <a:rPr lang="en-US" dirty="0"/>
-                        <a:t>1980-10-27</a:t>
-                      </a:r>
-                      <a:endParaRPr lang="ru-RU" dirty="0"/>
-                    </a:p>
-                  </a:txBody>
-                  <a:tcPr/>
-                </a:tc>
-                <a:extLst>
-                  <a:ext uri="{0D108BD9-81ED-4DB2-BD59-A6C34878D82A}">
-                    <a16:rowId xmlns:a16="http://schemas.microsoft.com/office/drawing/2014/main" val="109181570"/>
-                  </a:ext>
-                </a:extLst>
-              </a:tr>
-              <a:tr h="370840">
-                <a:tc>
-                  <a:txBody>
-                    <a:bodyPr/>
-                    <a:lstStyle/>
-                    <a:p>
-                      <a:r>
-                        <a:rPr lang="en-US"/>
-                        <a:t>Employee #10</a:t>
-                      </a:r>
-                      <a:endParaRPr lang="ru-RU" dirty="0"/>
-                    </a:p>
-                  </a:txBody>
-                  <a:tcPr/>
-                </a:tc>
-                <a:tc>
-                  <a:txBody>
-                    <a:bodyPr/>
-                    <a:lstStyle/>
-                    <a:p>
-                      <a:r>
-                        <a:rPr lang="en-US" dirty="0"/>
-                        <a:t>emp10@company1.test</a:t>
-                      </a:r>
-                      <a:endParaRPr lang="ru-RU" dirty="0"/>
-                    </a:p>
-                  </a:txBody>
-                  <a:tcPr/>
-                </a:tc>
-                <a:tc>
-                  <a:txBody>
-                    <a:bodyPr/>
-                    <a:lstStyle/>
-                    <a:p>
-                      <a:r>
-                        <a:rPr lang="en-US" dirty="0"/>
-                        <a:t>1986-07-20</a:t>
-                      </a:r>
-                      <a:endParaRPr lang="ru-RU" dirty="0"/>
-                    </a:p>
-                  </a:txBody>
-                  <a:tcPr/>
-                </a:tc>
-                <a:extLst>
-                  <a:ext uri="{0D108BD9-81ED-4DB2-BD59-A6C34878D82A}">
-                    <a16:rowId xmlns:a16="http://schemas.microsoft.com/office/drawing/2014/main" val="109181570"/>
-                  </a:ext>
-                </a:extLst>
-              </a:tr>
-              <a:tr h="370840">
-                <a:tc>
-                  <a:txBody>
-                    <a:bodyPr/>
-                    <a:lstStyle/>
-                    <a:p>
-                      <a:r>
-                        <a:rPr lang="en-US"/>
-                        <a:t>Employee #11</a:t>
-                      </a:r>
-                      <a:endParaRPr lang="ru-RU" dirty="0"/>
-                    </a:p>
-                  </a:txBody>
-                  <a:tcPr/>
-                </a:tc>
-                <a:tc>
-                  <a:txBody>
-                    <a:bodyPr/>
-                    <a:lstStyle/>
-                    <a:p>
-                      <a:r>
-                        <a:rPr lang="en-US" dirty="0"/>
-                        <a:t>emp11@company1.test</a:t>
-                      </a:r>
-                      <a:endParaRPr lang="ru-RU" dirty="0"/>
-                    </a:p>
-                  </a:txBody>
-                  <a:tcPr/>
-                </a:tc>
-                <a:tc>
-                  <a:txBody>
-                    <a:bodyPr/>
-                    <a:lstStyle/>
-                    <a:p>
-                      <a:r>
-                        <a:rPr lang="en-US" dirty="0"/>
-                        <a:t>1988-08-30</a:t>
+                        <a:t>1982-02-07</a:t>
                       </a:r>
                       <a:endParaRPr lang="ru-RU" dirty="0"/>
                     </a:p>
@@ -4837,7 +4641,7 @@
                     <a:p>
                       <a:r>
                         <a:rPr lang="en-US" dirty="0"/>
-                        <a:t>1983-02-08</a:t>
+                        <a:t>1983-10-22</a:t>
                       </a:r>
                       <a:endParaRPr lang="ru-RU" dirty="0"/>
                     </a:p>
@@ -4886,7 +4690,7 @@
                     <a:p>
                       <a:r>
                         <a:rPr lang="en-US" dirty="0"/>
-                        <a:t>1983-02-26</a:t>
+                        <a:t>1987-08-14</a:t>
                       </a:r>
                       <a:endParaRPr lang="ru-RU" dirty="0"/>
                     </a:p>
@@ -4935,7 +4739,7 @@
                     <a:p>
                       <a:r>
                         <a:rPr lang="en-US" dirty="0"/>
-                        <a:t>1983-01-04</a:t>
+                        <a:t>1982-11-14</a:t>
                       </a:r>
                       <a:endParaRPr lang="ru-RU" dirty="0"/>
                     </a:p>
@@ -4984,7 +4788,7 @@
                     <a:p>
                       <a:r>
                         <a:rPr lang="en-US" dirty="0"/>
-                        <a:t>1997-02-11</a:t>
+                        <a:t>1997-05-02</a:t>
                       </a:r>
                       <a:endParaRPr lang="ru-RU" dirty="0"/>
                     </a:p>
@@ -5033,7 +4837,7 @@
                     <a:p>
                       <a:r>
                         <a:rPr lang="en-US" dirty="0"/>
-                        <a:t>1982-05-10</a:t>
+                        <a:t>1992-08-04</a:t>
                       </a:r>
                       <a:endParaRPr lang="ru-RU" dirty="0"/>
                     </a:p>
@@ -5082,7 +4886,203 @@
                     <a:p>
                       <a:r>
                         <a:rPr lang="en-US" dirty="0"/>
-                        <a:t>1981-09-10</a:t>
+                        <a:t>1987-09-06</a:t>
+                      </a:r>
+                      <a:endParaRPr lang="ru-RU" dirty="0"/>
+                    </a:p>
+                  </a:txBody>
+                  <a:tcPr/>
+                </a:tc>
+                <a:extLst>
+                  <a:ext uri="{0D108BD9-81ED-4DB2-BD59-A6C34878D82A}">
+                    <a16:rowId xmlns:a16="http://schemas.microsoft.com/office/drawing/2014/main" val="109181570"/>
+                  </a:ext>
+                </a:extLst>
+              </a:tr>
+              <a:tr h="370840">
+                <a:tc>
+                  <a:txBody>
+                    <a:bodyPr/>
+                    <a:lstStyle/>
+                    <a:p>
+                      <a:r>
+                        <a:rPr lang="en-US"/>
+                        <a:t>Employee #7</a:t>
+                      </a:r>
+                      <a:endParaRPr lang="ru-RU" dirty="0"/>
+                    </a:p>
+                  </a:txBody>
+                  <a:tcPr/>
+                </a:tc>
+                <a:tc>
+                  <a:txBody>
+                    <a:bodyPr/>
+                    <a:lstStyle/>
+                    <a:p>
+                      <a:r>
+                        <a:rPr lang="en-US" dirty="0"/>
+                        <a:t>emp7@company2.test</a:t>
+                      </a:r>
+                      <a:endParaRPr lang="ru-RU" dirty="0"/>
+                    </a:p>
+                  </a:txBody>
+                  <a:tcPr/>
+                </a:tc>
+                <a:tc>
+                  <a:txBody>
+                    <a:bodyPr/>
+                    <a:lstStyle/>
+                    <a:p>
+                      <a:r>
+                        <a:rPr lang="en-US" dirty="0"/>
+                        <a:t>1997-07-24</a:t>
+                      </a:r>
+                      <a:endParaRPr lang="ru-RU" dirty="0"/>
+                    </a:p>
+                  </a:txBody>
+                  <a:tcPr/>
+                </a:tc>
+                <a:extLst>
+                  <a:ext uri="{0D108BD9-81ED-4DB2-BD59-A6C34878D82A}">
+                    <a16:rowId xmlns:a16="http://schemas.microsoft.com/office/drawing/2014/main" val="109181570"/>
+                  </a:ext>
+                </a:extLst>
+              </a:tr>
+              <a:tr h="370840">
+                <a:tc>
+                  <a:txBody>
+                    <a:bodyPr/>
+                    <a:lstStyle/>
+                    <a:p>
+                      <a:r>
+                        <a:rPr lang="en-US"/>
+                        <a:t>Employee #8</a:t>
+                      </a:r>
+                      <a:endParaRPr lang="ru-RU" dirty="0"/>
+                    </a:p>
+                  </a:txBody>
+                  <a:tcPr/>
+                </a:tc>
+                <a:tc>
+                  <a:txBody>
+                    <a:bodyPr/>
+                    <a:lstStyle/>
+                    <a:p>
+                      <a:r>
+                        <a:rPr lang="en-US" dirty="0"/>
+                        <a:t>emp8@company2.test</a:t>
+                      </a:r>
+                      <a:endParaRPr lang="ru-RU" dirty="0"/>
+                    </a:p>
+                  </a:txBody>
+                  <a:tcPr/>
+                </a:tc>
+                <a:tc>
+                  <a:txBody>
+                    <a:bodyPr/>
+                    <a:lstStyle/>
+                    <a:p>
+                      <a:r>
+                        <a:rPr lang="en-US" dirty="0"/>
+                        <a:t>1984-10-12</a:t>
+                      </a:r>
+                      <a:endParaRPr lang="ru-RU" dirty="0"/>
+                    </a:p>
+                  </a:txBody>
+                  <a:tcPr/>
+                </a:tc>
+                <a:extLst>
+                  <a:ext uri="{0D108BD9-81ED-4DB2-BD59-A6C34878D82A}">
+                    <a16:rowId xmlns:a16="http://schemas.microsoft.com/office/drawing/2014/main" val="109181570"/>
+                  </a:ext>
+                </a:extLst>
+              </a:tr>
+              <a:tr h="370840">
+                <a:tc>
+                  <a:txBody>
+                    <a:bodyPr/>
+                    <a:lstStyle/>
+                    <a:p>
+                      <a:r>
+                        <a:rPr lang="en-US"/>
+                        <a:t>Employee #9</a:t>
+                      </a:r>
+                      <a:endParaRPr lang="ru-RU" dirty="0"/>
+                    </a:p>
+                  </a:txBody>
+                  <a:tcPr/>
+                </a:tc>
+                <a:tc>
+                  <a:txBody>
+                    <a:bodyPr/>
+                    <a:lstStyle/>
+                    <a:p>
+                      <a:r>
+                        <a:rPr lang="en-US" dirty="0"/>
+                        <a:t>emp9@company2.test</a:t>
+                      </a:r>
+                      <a:endParaRPr lang="ru-RU" dirty="0"/>
+                    </a:p>
+                  </a:txBody>
+                  <a:tcPr/>
+                </a:tc>
+                <a:tc>
+                  <a:txBody>
+                    <a:bodyPr/>
+                    <a:lstStyle/>
+                    <a:p>
+                      <a:r>
+                        <a:rPr lang="en-US" dirty="0"/>
+                        <a:t>1996-09-09</a:t>
+                      </a:r>
+                      <a:endParaRPr lang="ru-RU" dirty="0"/>
+                    </a:p>
+                  </a:txBody>
+                  <a:tcPr/>
+                </a:tc>
+                <a:extLst>
+                  <a:ext uri="{0D108BD9-81ED-4DB2-BD59-A6C34878D82A}">
+                    <a16:rowId xmlns:a16="http://schemas.microsoft.com/office/drawing/2014/main" val="109181570"/>
+                  </a:ext>
+                </a:extLst>
+              </a:tr>
+              <a:tr h="370840">
+                <a:tc>
+                  <a:txBody>
+                    <a:bodyPr/>
+                    <a:lstStyle/>
+                    <a:p>
+                      <a:r>
+                        <a:rPr lang="en-US"/>
+                        <a:t>Employee #10</a:t>
+                      </a:r>
+                      <a:endParaRPr lang="ru-RU" dirty="0"/>
+                    </a:p>
+                  </a:txBody>
+                  <a:tcPr/>
+                </a:tc>
+                <a:tc>
+                  <a:txBody>
+                    <a:bodyPr/>
+                    <a:lstStyle/>
+                    <a:p>
+                      <a:r>
+                        <a:rPr lang="en-US" dirty="0"/>
+                        <a:t>emp10@company2.test</a:t>
+                      </a:r>
+                      <a:endParaRPr lang="ru-RU" dirty="0"/>
+                    </a:p>
+                  </a:txBody>
+                  <a:tcPr/>
+                </a:tc>
+                <a:tc>
+                  <a:txBody>
+                    <a:bodyPr/>
+                    <a:lstStyle/>
+                    <a:p>
+                      <a:r>
+                        <a:rPr lang="en-US" dirty="0"/>
+                        <a:t>1983-09-16</a:t>
                       </a:r>
                       <a:endParaRPr lang="ru-RU" dirty="0"/>
                     </a:p>
@@ -5316,7 +5316,7 @@
                     <a:p>
                       <a:r>
                         <a:rPr lang="en-US" dirty="0"/>
-                        <a:t>1985-09-16</a:t>
+                        <a:t>1996-09-30</a:t>
                       </a:r>
                       <a:endParaRPr lang="ru-RU" dirty="0"/>
                     </a:p>
@@ -5365,7 +5365,7 @@
                     <a:p>
                       <a:r>
                         <a:rPr lang="en-US" dirty="0"/>
-                        <a:t>1995-09-08</a:t>
+                        <a:t>1994-11-22</a:t>
                       </a:r>
                       <a:endParaRPr lang="ru-RU" dirty="0"/>
                     </a:p>
@@ -5414,7 +5414,7 @@
                     <a:p>
                       <a:r>
                         <a:rPr lang="en-US" dirty="0"/>
-                        <a:t>1987-10-10</a:t>
+                        <a:t>1989-03-05</a:t>
                       </a:r>
                       <a:endParaRPr lang="ru-RU" dirty="0"/>
                     </a:p>
@@ -5463,7 +5463,252 @@
                     <a:p>
                       <a:r>
                         <a:rPr lang="en-US" dirty="0"/>
-                        <a:t>1987-02-02</a:t>
+                        <a:t>1982-02-16</a:t>
+                      </a:r>
+                      <a:endParaRPr lang="ru-RU" dirty="0"/>
+                    </a:p>
+                  </a:txBody>
+                  <a:tcPr/>
+                </a:tc>
+                <a:extLst>
+                  <a:ext uri="{0D108BD9-81ED-4DB2-BD59-A6C34878D82A}">
+                    <a16:rowId xmlns:a16="http://schemas.microsoft.com/office/drawing/2014/main" val="109181570"/>
+                  </a:ext>
+                </a:extLst>
+              </a:tr>
+              <a:tr h="370840">
+                <a:tc>
+                  <a:txBody>
+                    <a:bodyPr/>
+                    <a:lstStyle/>
+                    <a:p>
+                      <a:r>
+                        <a:rPr lang="en-US"/>
+                        <a:t>Employee #5</a:t>
+                      </a:r>
+                      <a:endParaRPr lang="ru-RU" dirty="0"/>
+                    </a:p>
+                  </a:txBody>
+                  <a:tcPr/>
+                </a:tc>
+                <a:tc>
+                  <a:txBody>
+                    <a:bodyPr/>
+                    <a:lstStyle/>
+                    <a:p>
+                      <a:r>
+                        <a:rPr lang="en-US" dirty="0"/>
+                        <a:t>emp5@company3.test</a:t>
+                      </a:r>
+                      <a:endParaRPr lang="ru-RU" dirty="0"/>
+                    </a:p>
+                  </a:txBody>
+                  <a:tcPr/>
+                </a:tc>
+                <a:tc>
+                  <a:txBody>
+                    <a:bodyPr/>
+                    <a:lstStyle/>
+                    <a:p>
+                      <a:r>
+                        <a:rPr lang="en-US" dirty="0"/>
+                        <a:t>1981-09-22</a:t>
+                      </a:r>
+                      <a:endParaRPr lang="ru-RU" dirty="0"/>
+                    </a:p>
+                  </a:txBody>
+                  <a:tcPr/>
+                </a:tc>
+                <a:extLst>
+                  <a:ext uri="{0D108BD9-81ED-4DB2-BD59-A6C34878D82A}">
+                    <a16:rowId xmlns:a16="http://schemas.microsoft.com/office/drawing/2014/main" val="109181570"/>
+                  </a:ext>
+                </a:extLst>
+              </a:tr>
+              <a:tr h="370840">
+                <a:tc>
+                  <a:txBody>
+                    <a:bodyPr/>
+                    <a:lstStyle/>
+                    <a:p>
+                      <a:r>
+                        <a:rPr lang="en-US"/>
+                        <a:t>Employee #6</a:t>
+                      </a:r>
+                      <a:endParaRPr lang="ru-RU" dirty="0"/>
+                    </a:p>
+                  </a:txBody>
+                  <a:tcPr/>
+                </a:tc>
+                <a:tc>
+                  <a:txBody>
+                    <a:bodyPr/>
+                    <a:lstStyle/>
+                    <a:p>
+                      <a:r>
+                        <a:rPr lang="en-US" dirty="0"/>
+                        <a:t>emp6@company3.test</a:t>
+                      </a:r>
+                      <a:endParaRPr lang="ru-RU" dirty="0"/>
+                    </a:p>
+                  </a:txBody>
+                  <a:tcPr/>
+                </a:tc>
+                <a:tc>
+                  <a:txBody>
+                    <a:bodyPr/>
+                    <a:lstStyle/>
+                    <a:p>
+                      <a:r>
+                        <a:rPr lang="en-US" dirty="0"/>
+                        <a:t>1993-08-30</a:t>
+                      </a:r>
+                      <a:endParaRPr lang="ru-RU" dirty="0"/>
+                    </a:p>
+                  </a:txBody>
+                  <a:tcPr/>
+                </a:tc>
+                <a:extLst>
+                  <a:ext uri="{0D108BD9-81ED-4DB2-BD59-A6C34878D82A}">
+                    <a16:rowId xmlns:a16="http://schemas.microsoft.com/office/drawing/2014/main" val="109181570"/>
+                  </a:ext>
+                </a:extLst>
+              </a:tr>
+              <a:tr h="370840">
+                <a:tc>
+                  <a:txBody>
+                    <a:bodyPr/>
+                    <a:lstStyle/>
+                    <a:p>
+                      <a:r>
+                        <a:rPr lang="en-US"/>
+                        <a:t>Employee #7</a:t>
+                      </a:r>
+                      <a:endParaRPr lang="ru-RU" dirty="0"/>
+                    </a:p>
+                  </a:txBody>
+                  <a:tcPr/>
+                </a:tc>
+                <a:tc>
+                  <a:txBody>
+                    <a:bodyPr/>
+                    <a:lstStyle/>
+                    <a:p>
+                      <a:r>
+                        <a:rPr lang="en-US" dirty="0"/>
+                        <a:t>emp7@company3.test</a:t>
+                      </a:r>
+                      <a:endParaRPr lang="ru-RU" dirty="0"/>
+                    </a:p>
+                  </a:txBody>
+                  <a:tcPr/>
+                </a:tc>
+                <a:tc>
+                  <a:txBody>
+                    <a:bodyPr/>
+                    <a:lstStyle/>
+                    <a:p>
+                      <a:r>
+                        <a:rPr lang="en-US" dirty="0"/>
+                        <a:t>1991-06-19</a:t>
+                      </a:r>
+                      <a:endParaRPr lang="ru-RU" dirty="0"/>
+                    </a:p>
+                  </a:txBody>
+                  <a:tcPr/>
+                </a:tc>
+                <a:extLst>
+                  <a:ext uri="{0D108BD9-81ED-4DB2-BD59-A6C34878D82A}">
+                    <a16:rowId xmlns:a16="http://schemas.microsoft.com/office/drawing/2014/main" val="109181570"/>
+                  </a:ext>
+                </a:extLst>
+              </a:tr>
+              <a:tr h="370840">
+                <a:tc>
+                  <a:txBody>
+                    <a:bodyPr/>
+                    <a:lstStyle/>
+                    <a:p>
+                      <a:r>
+                        <a:rPr lang="en-US"/>
+                        <a:t>Employee #8</a:t>
+                      </a:r>
+                      <a:endParaRPr lang="ru-RU" dirty="0"/>
+                    </a:p>
+                  </a:txBody>
+                  <a:tcPr/>
+                </a:tc>
+                <a:tc>
+                  <a:txBody>
+                    <a:bodyPr/>
+                    <a:lstStyle/>
+                    <a:p>
+                      <a:r>
+                        <a:rPr lang="en-US" dirty="0"/>
+                        <a:t>emp8@company3.test</a:t>
+                      </a:r>
+                      <a:endParaRPr lang="ru-RU" dirty="0"/>
+                    </a:p>
+                  </a:txBody>
+                  <a:tcPr/>
+                </a:tc>
+                <a:tc>
+                  <a:txBody>
+                    <a:bodyPr/>
+                    <a:lstStyle/>
+                    <a:p>
+                      <a:r>
+                        <a:rPr lang="en-US" dirty="0"/>
+                        <a:t>1986-06-03</a:t>
+                      </a:r>
+                      <a:endParaRPr lang="ru-RU" dirty="0"/>
+                    </a:p>
+                  </a:txBody>
+                  <a:tcPr/>
+                </a:tc>
+                <a:extLst>
+                  <a:ext uri="{0D108BD9-81ED-4DB2-BD59-A6C34878D82A}">
+                    <a16:rowId xmlns:a16="http://schemas.microsoft.com/office/drawing/2014/main" val="109181570"/>
+                  </a:ext>
+                </a:extLst>
+              </a:tr>
+              <a:tr h="370840">
+                <a:tc>
+                  <a:txBody>
+                    <a:bodyPr/>
+                    <a:lstStyle/>
+                    <a:p>
+                      <a:r>
+                        <a:rPr lang="en-US"/>
+                        <a:t>Employee #9</a:t>
+                      </a:r>
+                      <a:endParaRPr lang="ru-RU" dirty="0"/>
+                    </a:p>
+                  </a:txBody>
+                  <a:tcPr/>
+                </a:tc>
+                <a:tc>
+                  <a:txBody>
+                    <a:bodyPr/>
+                    <a:lstStyle/>
+                    <a:p>
+                      <a:r>
+                        <a:rPr lang="en-US" dirty="0"/>
+                        <a:t>emp9@company3.test</a:t>
+                      </a:r>
+                      <a:endParaRPr lang="ru-RU" dirty="0"/>
+                    </a:p>
+                  </a:txBody>
+                  <a:tcPr/>
+                </a:tc>
+                <a:tc>
+                  <a:txBody>
+                    <a:bodyPr/>
+                    <a:lstStyle/>
+                    <a:p>
+                      <a:r>
+                        <a:rPr lang="en-US" dirty="0"/>
+                        <a:t>1989-08-05</a:t>
                       </a:r>
                       <a:endParaRPr lang="ru-RU" dirty="0"/>
                     </a:p>

--- a/Test/Presentations/template_result_streams.pptx
+++ b/Test/Presentations/template_result_streams.pptx
@@ -8,11 +8,11 @@
     <p:notesMasterId r:id="rId5"/>
   </p:notesMasterIdLst>
   <p:sldIdLst>
-    <p:sldId id="259" r:id="R0ba7a2b181754859"/>
-    <p:sldId id="260" r:id="R0819b2c7c8de4eea"/>
-    <p:sldId id="261" r:id="Rb47f987a0f164525"/>
-    <p:sldId id="262" r:id="R106eefdf531044e8"/>
-    <p:sldId id="263" r:id="Rcfad7385d216498c"/>
+    <p:sldId id="259" r:id="R59ddd6e3827b4d38"/>
+    <p:sldId id="260" r:id="R48b3e890d7d24e98"/>
+    <p:sldId id="261" r:id="R648a589dcee84865"/>
+    <p:sldId id="262" r:id="R1fa8f04164124ea2"/>
+    <p:sldId id="263" r:id="R1d73e1b720d4461b"/>
   </p:sldIdLst>
   <p:sldSz cx="12192000" cy="6858000"/>
   <p:notesSz cx="6858000" cy="9144000"/>
@@ -3912,68 +3912,79 @@
           <a:lstStyle/>
           <a:p>
             <a:r>
-              <a:rPr lang="en-US" sz="2000" dirty="0"/>
+              <a:rPr lang="en-US" sz="1800" dirty="0"/>
               <a:t>Username: TestName</a:t>
             </a:r>
           </a:p>
           <a:p>
             <a:r>
-              <a:rPr lang="en-US" sz="2000" dirty="0"/>
+              <a:rPr lang="en-US" sz="1800" dirty="0"/>
               <a:t>IsActive: Yes</a:t>
             </a:r>
           </a:p>
           <a:p>
             <a:r>
-              <a:rPr lang="en-US" sz="2000" dirty="0"/>
+              <a:rPr lang="en-US" sz="1800" dirty="0"/>
               <a:t>Evaluation: 1,000,000.123</a:t>
             </a:r>
           </a:p>
           <a:p>
             <a:r>
-              <a:rPr lang="en-US" sz="2000" dirty="0"/>
+              <a:rPr lang="en-US" sz="1800" dirty="0"/>
               <a:t>Link: </a:t>
             </a:r>
             <a:r>
-              <a:rPr lang="en-US" sz="2000" dirty="0">
+              <a:rPr lang="en-US" sz="1800" dirty="0">
                 <a:hlinkClick r:id="rId3"/>
               </a:rPr>
               <a:t>TestLink</a:t>
             </a:r>
-            <a:endParaRPr lang="en-US" sz="2000" dirty="0"/>
-          </a:p>
-          <a:p>
-            <a:r>
-              <a:rPr lang="en-US" sz="2000" dirty="0" err="1"/>
+            <a:endParaRPr lang="en-US" sz="1800" dirty="0"/>
+          </a:p>
+          <a:p>
+            <a:r>
+              <a:rPr lang="en-US" sz="1800" dirty="0" err="1"/>
               <a:t>HtmlAsText</a:t>
             </a:r>
             <a:r>
-              <a:rPr lang="en-US" sz="2000" dirty="0"/>
+              <a:rPr lang="en-US" sz="1800" dirty="0"/>
               <a:t>: text text text</a:t>
             </a:r>
           </a:p>
           <a:p>
             <a:r>
-              <a:rPr lang="en-US" sz="2000" dirty="0" err="1"/>
+              <a:rPr lang="en-US" sz="1800" dirty="0" err="1"/>
               <a:t>ArrayItem</a:t>
             </a:r>
             <a:r>
-              <a:rPr lang="en-US" sz="2000" dirty="0"/>
+              <a:rPr lang="en-US" sz="1800" dirty="0"/>
               <a:t>: item#2</a:t>
             </a:r>
           </a:p>
           <a:p>
             <a:r>
-              <a:rPr lang="en-US" sz="2000" dirty="0" err="1"/>
+              <a:rPr lang="en-US" sz="1800" dirty="0" err="1"/>
               <a:t>DictionaryValue</a:t>
             </a:r>
             <a:r>
-              <a:rPr lang="en-US" sz="2000" dirty="0"/>
+              <a:rPr lang="en-US" sz="1800" dirty="0"/>
               <a:t>: 100</a:t>
             </a:r>
           </a:p>
           <a:p>
             <a:r>
-              <a:rPr lang="en-US" sz="2000" dirty="0"/>
+              <a:rPr lang="en-US" sz="1800" dirty="0" err="1"/>
+              <a:t>ObjectProp</a:t>
+            </a:r>
+            <a:r>
+              <a:rPr lang="en-US" sz="1800" dirty="0"/>
+              <a:t>: DeepValue</a:t>
+            </a:r>
+            <a:endParaRPr lang="en-US" sz="1800" dirty="0"/>
+          </a:p>
+          <a:p>
+            <a:r>
+              <a:rPr lang="en-US" sz="1800" dirty="0"/>
               <a:t>Items: </a:t>
             </a:r>
           </a:p>
@@ -3983,14 +3994,14 @@
               <a:buAutoNum type="arabicPeriod"/>
             </a:pPr>
             <a:r>
-              <a:rPr lang="en-US" sz="2000" dirty="0"/>
+              <a:rPr lang="en-US" sz="1800" dirty="0"/>
               <a:t>item#1, 
 item#2, 
 item#3</a:t>
             </a:r>
           </a:p>
           <a:p>
-            <a:endParaRPr lang="ru-RU" sz="2000" dirty="0"/>
+            <a:endParaRPr lang="ru-RU" sz="1800" dirty="0"/>
           </a:p>
         </p:txBody>
       </p:sp>
@@ -4211,7 +4222,7 @@
                     <a:p>
                       <a:r>
                         <a:rPr lang="en-US" dirty="0"/>
-                        <a:t>1993-02-22</a:t>
+                        <a:t>1982-04-03</a:t>
                       </a:r>
                       <a:endParaRPr lang="ru-RU" dirty="0"/>
                     </a:p>
@@ -4260,7 +4271,7 @@
                     <a:p>
                       <a:r>
                         <a:rPr lang="en-US" dirty="0"/>
-                        <a:t>1996-04-19</a:t>
+                        <a:t>1994-04-11</a:t>
                       </a:r>
                       <a:endParaRPr lang="ru-RU" dirty="0"/>
                     </a:p>
@@ -4309,7 +4320,7 @@
                     <a:p>
                       <a:r>
                         <a:rPr lang="en-US" dirty="0"/>
-                        <a:t>1984-03-22</a:t>
+                        <a:t>1995-06-28</a:t>
                       </a:r>
                       <a:endParaRPr lang="ru-RU" dirty="0"/>
                     </a:p>
@@ -4358,7 +4369,7 @@
                     <a:p>
                       <a:r>
                         <a:rPr lang="en-US" dirty="0"/>
-                        <a:t>1987-08-08</a:t>
+                        <a:t>1988-05-22</a:t>
                       </a:r>
                       <a:endParaRPr lang="ru-RU" dirty="0"/>
                     </a:p>
@@ -4407,7 +4418,301 @@
                     <a:p>
                       <a:r>
                         <a:rPr lang="en-US" dirty="0"/>
-                        <a:t>1982-02-07</a:t>
+                        <a:t>1984-07-11</a:t>
+                      </a:r>
+                      <a:endParaRPr lang="ru-RU" dirty="0"/>
+                    </a:p>
+                  </a:txBody>
+                  <a:tcPr/>
+                </a:tc>
+                <a:extLst>
+                  <a:ext uri="{0D108BD9-81ED-4DB2-BD59-A6C34878D82A}">
+                    <a16:rowId xmlns:a16="http://schemas.microsoft.com/office/drawing/2014/main" val="109181570"/>
+                  </a:ext>
+                </a:extLst>
+              </a:tr>
+              <a:tr h="370840">
+                <a:tc>
+                  <a:txBody>
+                    <a:bodyPr/>
+                    <a:lstStyle/>
+                    <a:p>
+                      <a:r>
+                        <a:rPr lang="en-US"/>
+                        <a:t>Employee #6</a:t>
+                      </a:r>
+                      <a:endParaRPr lang="ru-RU" dirty="0"/>
+                    </a:p>
+                  </a:txBody>
+                  <a:tcPr/>
+                </a:tc>
+                <a:tc>
+                  <a:txBody>
+                    <a:bodyPr/>
+                    <a:lstStyle/>
+                    <a:p>
+                      <a:r>
+                        <a:rPr lang="en-US" dirty="0"/>
+                        <a:t>emp6@company1.test</a:t>
+                      </a:r>
+                      <a:endParaRPr lang="ru-RU" dirty="0"/>
+                    </a:p>
+                  </a:txBody>
+                  <a:tcPr/>
+                </a:tc>
+                <a:tc>
+                  <a:txBody>
+                    <a:bodyPr/>
+                    <a:lstStyle/>
+                    <a:p>
+                      <a:r>
+                        <a:rPr lang="en-US" dirty="0"/>
+                        <a:t>1993-05-23</a:t>
+                      </a:r>
+                      <a:endParaRPr lang="ru-RU" dirty="0"/>
+                    </a:p>
+                  </a:txBody>
+                  <a:tcPr/>
+                </a:tc>
+                <a:extLst>
+                  <a:ext uri="{0D108BD9-81ED-4DB2-BD59-A6C34878D82A}">
+                    <a16:rowId xmlns:a16="http://schemas.microsoft.com/office/drawing/2014/main" val="109181570"/>
+                  </a:ext>
+                </a:extLst>
+              </a:tr>
+              <a:tr h="370840">
+                <a:tc>
+                  <a:txBody>
+                    <a:bodyPr/>
+                    <a:lstStyle/>
+                    <a:p>
+                      <a:r>
+                        <a:rPr lang="en-US"/>
+                        <a:t>Employee #7</a:t>
+                      </a:r>
+                      <a:endParaRPr lang="ru-RU" dirty="0"/>
+                    </a:p>
+                  </a:txBody>
+                  <a:tcPr/>
+                </a:tc>
+                <a:tc>
+                  <a:txBody>
+                    <a:bodyPr/>
+                    <a:lstStyle/>
+                    <a:p>
+                      <a:r>
+                        <a:rPr lang="en-US" dirty="0"/>
+                        <a:t>emp7@company1.test</a:t>
+                      </a:r>
+                      <a:endParaRPr lang="ru-RU" dirty="0"/>
+                    </a:p>
+                  </a:txBody>
+                  <a:tcPr/>
+                </a:tc>
+                <a:tc>
+                  <a:txBody>
+                    <a:bodyPr/>
+                    <a:lstStyle/>
+                    <a:p>
+                      <a:r>
+                        <a:rPr lang="en-US" dirty="0"/>
+                        <a:t>1982-02-09</a:t>
+                      </a:r>
+                      <a:endParaRPr lang="ru-RU" dirty="0"/>
+                    </a:p>
+                  </a:txBody>
+                  <a:tcPr/>
+                </a:tc>
+                <a:extLst>
+                  <a:ext uri="{0D108BD9-81ED-4DB2-BD59-A6C34878D82A}">
+                    <a16:rowId xmlns:a16="http://schemas.microsoft.com/office/drawing/2014/main" val="109181570"/>
+                  </a:ext>
+                </a:extLst>
+              </a:tr>
+              <a:tr h="370840">
+                <a:tc>
+                  <a:txBody>
+                    <a:bodyPr/>
+                    <a:lstStyle/>
+                    <a:p>
+                      <a:r>
+                        <a:rPr lang="en-US"/>
+                        <a:t>Employee #8</a:t>
+                      </a:r>
+                      <a:endParaRPr lang="ru-RU" dirty="0"/>
+                    </a:p>
+                  </a:txBody>
+                  <a:tcPr/>
+                </a:tc>
+                <a:tc>
+                  <a:txBody>
+                    <a:bodyPr/>
+                    <a:lstStyle/>
+                    <a:p>
+                      <a:r>
+                        <a:rPr lang="en-US" dirty="0"/>
+                        <a:t>emp8@company1.test</a:t>
+                      </a:r>
+                      <a:endParaRPr lang="ru-RU" dirty="0"/>
+                    </a:p>
+                  </a:txBody>
+                  <a:tcPr/>
+                </a:tc>
+                <a:tc>
+                  <a:txBody>
+                    <a:bodyPr/>
+                    <a:lstStyle/>
+                    <a:p>
+                      <a:r>
+                        <a:rPr lang="en-US" dirty="0"/>
+                        <a:t>1998-09-10</a:t>
+                      </a:r>
+                      <a:endParaRPr lang="ru-RU" dirty="0"/>
+                    </a:p>
+                  </a:txBody>
+                  <a:tcPr/>
+                </a:tc>
+                <a:extLst>
+                  <a:ext uri="{0D108BD9-81ED-4DB2-BD59-A6C34878D82A}">
+                    <a16:rowId xmlns:a16="http://schemas.microsoft.com/office/drawing/2014/main" val="109181570"/>
+                  </a:ext>
+                </a:extLst>
+              </a:tr>
+              <a:tr h="370840">
+                <a:tc>
+                  <a:txBody>
+                    <a:bodyPr/>
+                    <a:lstStyle/>
+                    <a:p>
+                      <a:r>
+                        <a:rPr lang="en-US"/>
+                        <a:t>Employee #9</a:t>
+                      </a:r>
+                      <a:endParaRPr lang="ru-RU" dirty="0"/>
+                    </a:p>
+                  </a:txBody>
+                  <a:tcPr/>
+                </a:tc>
+                <a:tc>
+                  <a:txBody>
+                    <a:bodyPr/>
+                    <a:lstStyle/>
+                    <a:p>
+                      <a:r>
+                        <a:rPr lang="en-US" dirty="0"/>
+                        <a:t>emp9@company1.test</a:t>
+                      </a:r>
+                      <a:endParaRPr lang="ru-RU" dirty="0"/>
+                    </a:p>
+                  </a:txBody>
+                  <a:tcPr/>
+                </a:tc>
+                <a:tc>
+                  <a:txBody>
+                    <a:bodyPr/>
+                    <a:lstStyle/>
+                    <a:p>
+                      <a:r>
+                        <a:rPr lang="en-US" dirty="0"/>
+                        <a:t>1988-09-18</a:t>
+                      </a:r>
+                      <a:endParaRPr lang="ru-RU" dirty="0"/>
+                    </a:p>
+                  </a:txBody>
+                  <a:tcPr/>
+                </a:tc>
+                <a:extLst>
+                  <a:ext uri="{0D108BD9-81ED-4DB2-BD59-A6C34878D82A}">
+                    <a16:rowId xmlns:a16="http://schemas.microsoft.com/office/drawing/2014/main" val="109181570"/>
+                  </a:ext>
+                </a:extLst>
+              </a:tr>
+              <a:tr h="370840">
+                <a:tc>
+                  <a:txBody>
+                    <a:bodyPr/>
+                    <a:lstStyle/>
+                    <a:p>
+                      <a:r>
+                        <a:rPr lang="en-US"/>
+                        <a:t>Employee #10</a:t>
+                      </a:r>
+                      <a:endParaRPr lang="ru-RU" dirty="0"/>
+                    </a:p>
+                  </a:txBody>
+                  <a:tcPr/>
+                </a:tc>
+                <a:tc>
+                  <a:txBody>
+                    <a:bodyPr/>
+                    <a:lstStyle/>
+                    <a:p>
+                      <a:r>
+                        <a:rPr lang="en-US" dirty="0"/>
+                        <a:t>emp10@company1.test</a:t>
+                      </a:r>
+                      <a:endParaRPr lang="ru-RU" dirty="0"/>
+                    </a:p>
+                  </a:txBody>
+                  <a:tcPr/>
+                </a:tc>
+                <a:tc>
+                  <a:txBody>
+                    <a:bodyPr/>
+                    <a:lstStyle/>
+                    <a:p>
+                      <a:r>
+                        <a:rPr lang="en-US" dirty="0"/>
+                        <a:t>1992-08-23</a:t>
+                      </a:r>
+                      <a:endParaRPr lang="ru-RU" dirty="0"/>
+                    </a:p>
+                  </a:txBody>
+                  <a:tcPr/>
+                </a:tc>
+                <a:extLst>
+                  <a:ext uri="{0D108BD9-81ED-4DB2-BD59-A6C34878D82A}">
+                    <a16:rowId xmlns:a16="http://schemas.microsoft.com/office/drawing/2014/main" val="109181570"/>
+                  </a:ext>
+                </a:extLst>
+              </a:tr>
+              <a:tr h="370840">
+                <a:tc>
+                  <a:txBody>
+                    <a:bodyPr/>
+                    <a:lstStyle/>
+                    <a:p>
+                      <a:r>
+                        <a:rPr lang="en-US"/>
+                        <a:t>Employee #11</a:t>
+                      </a:r>
+                      <a:endParaRPr lang="ru-RU" dirty="0"/>
+                    </a:p>
+                  </a:txBody>
+                  <a:tcPr/>
+                </a:tc>
+                <a:tc>
+                  <a:txBody>
+                    <a:bodyPr/>
+                    <a:lstStyle/>
+                    <a:p>
+                      <a:r>
+                        <a:rPr lang="en-US" dirty="0"/>
+                        <a:t>emp11@company1.test</a:t>
+                      </a:r>
+                      <a:endParaRPr lang="ru-RU" dirty="0"/>
+                    </a:p>
+                  </a:txBody>
+                  <a:tcPr/>
+                </a:tc>
+                <a:tc>
+                  <a:txBody>
+                    <a:bodyPr/>
+                    <a:lstStyle/>
+                    <a:p>
+                      <a:r>
+                        <a:rPr lang="en-US" dirty="0"/>
+                        <a:t>1981-05-09</a:t>
                       </a:r>
                       <a:endParaRPr lang="ru-RU" dirty="0"/>
                     </a:p>
@@ -4641,7 +4946,7 @@
                     <a:p>
                       <a:r>
                         <a:rPr lang="en-US" dirty="0"/>
-                        <a:t>1983-10-22</a:t>
+                        <a:t>1992-08-27</a:t>
                       </a:r>
                       <a:endParaRPr lang="ru-RU" dirty="0"/>
                     </a:p>
@@ -4690,7 +4995,7 @@
                     <a:p>
                       <a:r>
                         <a:rPr lang="en-US" dirty="0"/>
-                        <a:t>1987-08-14</a:t>
+                        <a:t>1984-04-29</a:t>
                       </a:r>
                       <a:endParaRPr lang="ru-RU" dirty="0"/>
                     </a:p>
@@ -4739,7 +5044,7 @@
                     <a:p>
                       <a:r>
                         <a:rPr lang="en-US" dirty="0"/>
-                        <a:t>1982-11-14</a:t>
+                        <a:t>1998-05-30</a:t>
                       </a:r>
                       <a:endParaRPr lang="ru-RU" dirty="0"/>
                     </a:p>
@@ -4788,7 +5093,7 @@
                     <a:p>
                       <a:r>
                         <a:rPr lang="en-US" dirty="0"/>
-                        <a:t>1997-05-02</a:t>
+                        <a:t>1981-11-27</a:t>
                       </a:r>
                       <a:endParaRPr lang="ru-RU" dirty="0"/>
                     </a:p>
@@ -4837,7 +5142,7 @@
                     <a:p>
                       <a:r>
                         <a:rPr lang="en-US" dirty="0"/>
-                        <a:t>1992-08-04</a:t>
+                        <a:t>1998-02-27</a:t>
                       </a:r>
                       <a:endParaRPr lang="ru-RU" dirty="0"/>
                     </a:p>
@@ -4886,7 +5191,7 @@
                     <a:p>
                       <a:r>
                         <a:rPr lang="en-US" dirty="0"/>
-                        <a:t>1987-09-06</a:t>
+                        <a:t>1985-06-16</a:t>
                       </a:r>
                       <a:endParaRPr lang="ru-RU" dirty="0"/>
                     </a:p>
@@ -4935,154 +5240,7 @@
                     <a:p>
                       <a:r>
                         <a:rPr lang="en-US" dirty="0"/>
-                        <a:t>1997-07-24</a:t>
-                      </a:r>
-                      <a:endParaRPr lang="ru-RU" dirty="0"/>
-                    </a:p>
-                  </a:txBody>
-                  <a:tcPr/>
-                </a:tc>
-                <a:extLst>
-                  <a:ext uri="{0D108BD9-81ED-4DB2-BD59-A6C34878D82A}">
-                    <a16:rowId xmlns:a16="http://schemas.microsoft.com/office/drawing/2014/main" val="109181570"/>
-                  </a:ext>
-                </a:extLst>
-              </a:tr>
-              <a:tr h="370840">
-                <a:tc>
-                  <a:txBody>
-                    <a:bodyPr/>
-                    <a:lstStyle/>
-                    <a:p>
-                      <a:r>
-                        <a:rPr lang="en-US"/>
-                        <a:t>Employee #8</a:t>
-                      </a:r>
-                      <a:endParaRPr lang="ru-RU" dirty="0"/>
-                    </a:p>
-                  </a:txBody>
-                  <a:tcPr/>
-                </a:tc>
-                <a:tc>
-                  <a:txBody>
-                    <a:bodyPr/>
-                    <a:lstStyle/>
-                    <a:p>
-                      <a:r>
-                        <a:rPr lang="en-US" dirty="0"/>
-                        <a:t>emp8@company2.test</a:t>
-                      </a:r>
-                      <a:endParaRPr lang="ru-RU" dirty="0"/>
-                    </a:p>
-                  </a:txBody>
-                  <a:tcPr/>
-                </a:tc>
-                <a:tc>
-                  <a:txBody>
-                    <a:bodyPr/>
-                    <a:lstStyle/>
-                    <a:p>
-                      <a:r>
-                        <a:rPr lang="en-US" dirty="0"/>
-                        <a:t>1984-10-12</a:t>
-                      </a:r>
-                      <a:endParaRPr lang="ru-RU" dirty="0"/>
-                    </a:p>
-                  </a:txBody>
-                  <a:tcPr/>
-                </a:tc>
-                <a:extLst>
-                  <a:ext uri="{0D108BD9-81ED-4DB2-BD59-A6C34878D82A}">
-                    <a16:rowId xmlns:a16="http://schemas.microsoft.com/office/drawing/2014/main" val="109181570"/>
-                  </a:ext>
-                </a:extLst>
-              </a:tr>
-              <a:tr h="370840">
-                <a:tc>
-                  <a:txBody>
-                    <a:bodyPr/>
-                    <a:lstStyle/>
-                    <a:p>
-                      <a:r>
-                        <a:rPr lang="en-US"/>
-                        <a:t>Employee #9</a:t>
-                      </a:r>
-                      <a:endParaRPr lang="ru-RU" dirty="0"/>
-                    </a:p>
-                  </a:txBody>
-                  <a:tcPr/>
-                </a:tc>
-                <a:tc>
-                  <a:txBody>
-                    <a:bodyPr/>
-                    <a:lstStyle/>
-                    <a:p>
-                      <a:r>
-                        <a:rPr lang="en-US" dirty="0"/>
-                        <a:t>emp9@company2.test</a:t>
-                      </a:r>
-                      <a:endParaRPr lang="ru-RU" dirty="0"/>
-                    </a:p>
-                  </a:txBody>
-                  <a:tcPr/>
-                </a:tc>
-                <a:tc>
-                  <a:txBody>
-                    <a:bodyPr/>
-                    <a:lstStyle/>
-                    <a:p>
-                      <a:r>
-                        <a:rPr lang="en-US" dirty="0"/>
-                        <a:t>1996-09-09</a:t>
-                      </a:r>
-                      <a:endParaRPr lang="ru-RU" dirty="0"/>
-                    </a:p>
-                  </a:txBody>
-                  <a:tcPr/>
-                </a:tc>
-                <a:extLst>
-                  <a:ext uri="{0D108BD9-81ED-4DB2-BD59-A6C34878D82A}">
-                    <a16:rowId xmlns:a16="http://schemas.microsoft.com/office/drawing/2014/main" val="109181570"/>
-                  </a:ext>
-                </a:extLst>
-              </a:tr>
-              <a:tr h="370840">
-                <a:tc>
-                  <a:txBody>
-                    <a:bodyPr/>
-                    <a:lstStyle/>
-                    <a:p>
-                      <a:r>
-                        <a:rPr lang="en-US"/>
-                        <a:t>Employee #10</a:t>
-                      </a:r>
-                      <a:endParaRPr lang="ru-RU" dirty="0"/>
-                    </a:p>
-                  </a:txBody>
-                  <a:tcPr/>
-                </a:tc>
-                <a:tc>
-                  <a:txBody>
-                    <a:bodyPr/>
-                    <a:lstStyle/>
-                    <a:p>
-                      <a:r>
-                        <a:rPr lang="en-US" dirty="0"/>
-                        <a:t>emp10@company2.test</a:t>
-                      </a:r>
-                      <a:endParaRPr lang="ru-RU" dirty="0"/>
-                    </a:p>
-                  </a:txBody>
-                  <a:tcPr/>
-                </a:tc>
-                <a:tc>
-                  <a:txBody>
-                    <a:bodyPr/>
-                    <a:lstStyle/>
-                    <a:p>
-                      <a:r>
-                        <a:rPr lang="en-US" dirty="0"/>
-                        <a:t>1983-09-16</a:t>
+                        <a:t>1991-06-27</a:t>
                       </a:r>
                       <a:endParaRPr lang="ru-RU" dirty="0"/>
                     </a:p>
@@ -5316,7 +5474,7 @@
                     <a:p>
                       <a:r>
                         <a:rPr lang="en-US" dirty="0"/>
-                        <a:t>1996-09-30</a:t>
+                        <a:t>1987-06-28</a:t>
                       </a:r>
                       <a:endParaRPr lang="ru-RU" dirty="0"/>
                     </a:p>
@@ -5365,7 +5523,7 @@
                     <a:p>
                       <a:r>
                         <a:rPr lang="en-US" dirty="0"/>
-                        <a:t>1994-11-22</a:t>
+                        <a:t>1984-10-25</a:t>
                       </a:r>
                       <a:endParaRPr lang="ru-RU" dirty="0"/>
                     </a:p>
@@ -5414,7 +5572,7 @@
                     <a:p>
                       <a:r>
                         <a:rPr lang="en-US" dirty="0"/>
-                        <a:t>1989-03-05</a:t>
+                        <a:t>1982-11-09</a:t>
                       </a:r>
                       <a:endParaRPr lang="ru-RU" dirty="0"/>
                     </a:p>
@@ -5463,7 +5621,7 @@
                     <a:p>
                       <a:r>
                         <a:rPr lang="en-US" dirty="0"/>
-                        <a:t>1982-02-16</a:t>
+                        <a:t>1987-09-14</a:t>
                       </a:r>
                       <a:endParaRPr lang="ru-RU" dirty="0"/>
                     </a:p>
@@ -5512,7 +5670,7 @@
                     <a:p>
                       <a:r>
                         <a:rPr lang="en-US" dirty="0"/>
-                        <a:t>1981-09-22</a:t>
+                        <a:t>1987-03-21</a:t>
                       </a:r>
                       <a:endParaRPr lang="ru-RU" dirty="0"/>
                     </a:p>
@@ -5561,7 +5719,7 @@
                     <a:p>
                       <a:r>
                         <a:rPr lang="en-US" dirty="0"/>
-                        <a:t>1993-08-30</a:t>
+                        <a:t>1984-09-21</a:t>
                       </a:r>
                       <a:endParaRPr lang="ru-RU" dirty="0"/>
                     </a:p>
@@ -5610,7 +5768,7 @@
                     <a:p>
                       <a:r>
                         <a:rPr lang="en-US" dirty="0"/>
-                        <a:t>1991-06-19</a:t>
+                        <a:t>1993-01-16</a:t>
                       </a:r>
                       <a:endParaRPr lang="ru-RU" dirty="0"/>
                     </a:p>
@@ -5659,56 +5817,7 @@
                     <a:p>
                       <a:r>
                         <a:rPr lang="en-US" dirty="0"/>
-                        <a:t>1986-06-03</a:t>
-                      </a:r>
-                      <a:endParaRPr lang="ru-RU" dirty="0"/>
-                    </a:p>
-                  </a:txBody>
-                  <a:tcPr/>
-                </a:tc>
-                <a:extLst>
-                  <a:ext uri="{0D108BD9-81ED-4DB2-BD59-A6C34878D82A}">
-                    <a16:rowId xmlns:a16="http://schemas.microsoft.com/office/drawing/2014/main" val="109181570"/>
-                  </a:ext>
-                </a:extLst>
-              </a:tr>
-              <a:tr h="370840">
-                <a:tc>
-                  <a:txBody>
-                    <a:bodyPr/>
-                    <a:lstStyle/>
-                    <a:p>
-                      <a:r>
-                        <a:rPr lang="en-US"/>
-                        <a:t>Employee #9</a:t>
-                      </a:r>
-                      <a:endParaRPr lang="ru-RU" dirty="0"/>
-                    </a:p>
-                  </a:txBody>
-                  <a:tcPr/>
-                </a:tc>
-                <a:tc>
-                  <a:txBody>
-                    <a:bodyPr/>
-                    <a:lstStyle/>
-                    <a:p>
-                      <a:r>
-                        <a:rPr lang="en-US" dirty="0"/>
-                        <a:t>emp9@company3.test</a:t>
-                      </a:r>
-                      <a:endParaRPr lang="ru-RU" dirty="0"/>
-                    </a:p>
-                  </a:txBody>
-                  <a:tcPr/>
-                </a:tc>
-                <a:tc>
-                  <a:txBody>
-                    <a:bodyPr/>
-                    <a:lstStyle/>
-                    <a:p>
-                      <a:r>
-                        <a:rPr lang="en-US" dirty="0"/>
-                        <a:t>1989-08-05</a:t>
+                        <a:t>1999-03-03</a:t>
                       </a:r>
                       <a:endParaRPr lang="ru-RU" dirty="0"/>
                     </a:p>
